--- a/presentations/03_functions.pptx
+++ b/presentations/03_functions.pptx
@@ -5,7 +5,7 @@
     <p:sldMasterId id="2147483648" r:id="rId4"/>
   </p:sldMasterIdLst>
   <p:notesMasterIdLst>
-    <p:notesMasterId r:id="rId23"/>
+    <p:notesMasterId r:id="rId17"/>
   </p:notesMasterIdLst>
   <p:sldIdLst>
     <p:sldId id="324" r:id="rId5"/>
@@ -20,12 +20,6 @@
     <p:sldId id="330" r:id="rId14"/>
     <p:sldId id="332" r:id="rId15"/>
     <p:sldId id="297" r:id="rId16"/>
-    <p:sldId id="333" r:id="rId17"/>
-    <p:sldId id="281" r:id="rId18"/>
-    <p:sldId id="293" r:id="rId19"/>
-    <p:sldId id="274" r:id="rId20"/>
-    <p:sldId id="334" r:id="rId21"/>
-    <p:sldId id="331" r:id="rId22"/>
   </p:sldIdLst>
   <p:sldSz cx="12192000" cy="6858000"/>
   <p:notesSz cx="6858000" cy="9144000"/>
@@ -146,6 +140,7 @@
 <file path=ppt/revisionInfo.xml><?xml version="1.0" encoding="utf-8"?>
 <p1510:revInfo xmlns:a="http://schemas.openxmlformats.org/drawingml/2006/main" xmlns:r="http://schemas.openxmlformats.org/officeDocument/2006/relationships" xmlns:p1510="http://schemas.microsoft.com/office/powerpoint/2015/10/main">
   <p1510:revLst>
+    <p1510:client id="{0274580E-49C1-40C6-8C3A-F3F090CE5A1E}" v="1" dt="2023-07-06T12:42:01.867"/>
     <p1510:client id="{0F0836D6-B553-40DC-B5B2-C62400F80913}" v="1" dt="2023-07-05T17:29:25.756"/>
   </p1510:revLst>
 </p1510:revInfo>
@@ -1643,6 +1638,72 @@
       </pc:sldChg>
     </pc:docChg>
   </pc:docChgLst>
+  <pc:docChgLst>
+    <pc:chgData name="Gitzendanner, Matt" userId="b4bd9a28-947d-4019-a646-080a1de8474c" providerId="ADAL" clId="{0274580E-49C1-40C6-8C3A-F3F090CE5A1E}"/>
+    <pc:docChg chg="delSld modSld">
+      <pc:chgData name="Gitzendanner, Matt" userId="b4bd9a28-947d-4019-a646-080a1de8474c" providerId="ADAL" clId="{0274580E-49C1-40C6-8C3A-F3F090CE5A1E}" dt="2023-07-06T12:44:12.500" v="1" actId="47"/>
+      <pc:docMkLst>
+        <pc:docMk/>
+      </pc:docMkLst>
+      <pc:sldChg chg="del">
+        <pc:chgData name="Gitzendanner, Matt" userId="b4bd9a28-947d-4019-a646-080a1de8474c" providerId="ADAL" clId="{0274580E-49C1-40C6-8C3A-F3F090CE5A1E}" dt="2023-07-06T12:44:12.500" v="1" actId="47"/>
+        <pc:sldMkLst>
+          <pc:docMk/>
+          <pc:sldMk cId="2633006781" sldId="274"/>
+        </pc:sldMkLst>
+      </pc:sldChg>
+      <pc:sldChg chg="del">
+        <pc:chgData name="Gitzendanner, Matt" userId="b4bd9a28-947d-4019-a646-080a1de8474c" providerId="ADAL" clId="{0274580E-49C1-40C6-8C3A-F3F090CE5A1E}" dt="2023-07-06T12:44:12.500" v="1" actId="47"/>
+        <pc:sldMkLst>
+          <pc:docMk/>
+          <pc:sldMk cId="491246926" sldId="281"/>
+        </pc:sldMkLst>
+      </pc:sldChg>
+      <pc:sldChg chg="del">
+        <pc:chgData name="Gitzendanner, Matt" userId="b4bd9a28-947d-4019-a646-080a1de8474c" providerId="ADAL" clId="{0274580E-49C1-40C6-8C3A-F3F090CE5A1E}" dt="2023-07-06T12:44:12.500" v="1" actId="47"/>
+        <pc:sldMkLst>
+          <pc:docMk/>
+          <pc:sldMk cId="693668097" sldId="293"/>
+        </pc:sldMkLst>
+      </pc:sldChg>
+      <pc:sldChg chg="modSp">
+        <pc:chgData name="Gitzendanner, Matt" userId="b4bd9a28-947d-4019-a646-080a1de8474c" providerId="ADAL" clId="{0274580E-49C1-40C6-8C3A-F3F090CE5A1E}" dt="2023-07-06T12:42:01.867" v="0" actId="2711"/>
+        <pc:sldMkLst>
+          <pc:docMk/>
+          <pc:sldMk cId="663104863" sldId="325"/>
+        </pc:sldMkLst>
+        <pc:spChg chg="mod">
+          <ac:chgData name="Gitzendanner, Matt" userId="b4bd9a28-947d-4019-a646-080a1de8474c" providerId="ADAL" clId="{0274580E-49C1-40C6-8C3A-F3F090CE5A1E}" dt="2023-07-06T12:42:01.867" v="0" actId="2711"/>
+          <ac:spMkLst>
+            <pc:docMk/>
+            <pc:sldMk cId="663104863" sldId="325"/>
+            <ac:spMk id="10" creationId="{473ED75A-AADF-8C9B-144A-12689D6B1C23}"/>
+          </ac:spMkLst>
+        </pc:spChg>
+      </pc:sldChg>
+      <pc:sldChg chg="del">
+        <pc:chgData name="Gitzendanner, Matt" userId="b4bd9a28-947d-4019-a646-080a1de8474c" providerId="ADAL" clId="{0274580E-49C1-40C6-8C3A-F3F090CE5A1E}" dt="2023-07-06T12:44:12.500" v="1" actId="47"/>
+        <pc:sldMkLst>
+          <pc:docMk/>
+          <pc:sldMk cId="2230124425" sldId="331"/>
+        </pc:sldMkLst>
+      </pc:sldChg>
+      <pc:sldChg chg="del">
+        <pc:chgData name="Gitzendanner, Matt" userId="b4bd9a28-947d-4019-a646-080a1de8474c" providerId="ADAL" clId="{0274580E-49C1-40C6-8C3A-F3F090CE5A1E}" dt="2023-07-06T12:44:12.500" v="1" actId="47"/>
+        <pc:sldMkLst>
+          <pc:docMk/>
+          <pc:sldMk cId="1226449762" sldId="333"/>
+        </pc:sldMkLst>
+      </pc:sldChg>
+      <pc:sldChg chg="del">
+        <pc:chgData name="Gitzendanner, Matt" userId="b4bd9a28-947d-4019-a646-080a1de8474c" providerId="ADAL" clId="{0274580E-49C1-40C6-8C3A-F3F090CE5A1E}" dt="2023-07-06T12:44:12.500" v="1" actId="47"/>
+        <pc:sldMkLst>
+          <pc:docMk/>
+          <pc:sldMk cId="1361920390" sldId="334"/>
+        </pc:sldMkLst>
+      </pc:sldChg>
+    </pc:docChg>
+  </pc:docChgLst>
 </pc:chgInfo>
 </file>
 
@@ -1728,7 +1789,7 @@
           <a:p>
             <a:fld id="{FD93C9B2-20F6-4DB1-B471-224337D0AC79}" type="datetimeFigureOut">
               <a:rPr lang="en-US" smtClean="0"/>
-              <a:t>7/5/2023</a:t>
+              <a:t>7/6/2023</a:t>
             </a:fld>
             <a:endParaRPr lang="en-US"/>
           </a:p>
@@ -2697,1037 +2758,6 @@
 </p:notes>
 </file>
 
-<file path=ppt/notesSlides/notesSlide13.xml><?xml version="1.0" encoding="utf-8"?>
-<p:notes xmlns:a="http://schemas.openxmlformats.org/drawingml/2006/main" xmlns:r="http://schemas.openxmlformats.org/officeDocument/2006/relationships" xmlns:p="http://schemas.openxmlformats.org/presentationml/2006/main">
-  <p:cSld>
-    <p:spTree>
-      <p:nvGrpSpPr>
-        <p:cNvPr id="1" name=""/>
-        <p:cNvGrpSpPr/>
-        <p:nvPr/>
-      </p:nvGrpSpPr>
-      <p:grpSpPr>
-        <a:xfrm>
-          <a:off x="0" y="0"/>
-          <a:ext cx="0" cy="0"/>
-          <a:chOff x="0" y="0"/>
-          <a:chExt cx="0" cy="0"/>
-        </a:xfrm>
-      </p:grpSpPr>
-      <p:sp>
-        <p:nvSpPr>
-          <p:cNvPr id="2" name="Slide Image Placeholder 1"/>
-          <p:cNvSpPr>
-            <a:spLocks noGrp="1" noRot="1" noChangeAspect="1"/>
-          </p:cNvSpPr>
-          <p:nvPr>
-            <p:ph type="sldImg"/>
-          </p:nvPr>
-        </p:nvSpPr>
-        <p:spPr/>
-      </p:sp>
-      <p:sp>
-        <p:nvSpPr>
-          <p:cNvPr id="3" name="Notes Placeholder 2"/>
-          <p:cNvSpPr>
-            <a:spLocks noGrp="1"/>
-          </p:cNvSpPr>
-          <p:nvPr>
-            <p:ph type="body" idx="1"/>
-          </p:nvPr>
-        </p:nvSpPr>
-        <p:spPr/>
-        <p:txBody>
-          <a:bodyPr/>
-          <a:lstStyle/>
-          <a:p>
-            <a:r>
-              <a:rPr lang="en-US" altLang="en-US" dirty="0">
-                <a:ea typeface="ＭＳ Ｐゴシック" charset="-128"/>
-              </a:rPr>
-              <a:t>Hello and welcome to this Practicum AI recording</a:t>
-            </a:r>
-            <a:r>
-              <a:rPr lang="en-US" altLang="en-US" baseline="0" dirty="0">
-                <a:ea typeface="ＭＳ Ｐゴシック" charset="-128"/>
-              </a:rPr>
-              <a:t>.</a:t>
-            </a:r>
-          </a:p>
-          <a:p>
-            <a:endParaRPr lang="en-US" altLang="en-US" dirty="0">
-              <a:ea typeface="ＭＳ Ｐゴシック" charset="-128"/>
-            </a:endParaRPr>
-          </a:p>
-          <a:p>
-            <a:r>
-              <a:rPr lang="en-US" altLang="en-US" dirty="0">
-                <a:ea typeface="ＭＳ Ｐゴシック" charset="-128"/>
-              </a:rPr>
-              <a:t>I’m Dan Maxwell.  And I work as an AI Trainer for Research Computing, here at the university of Florida.</a:t>
-            </a:r>
-          </a:p>
-          <a:p>
-            <a:endParaRPr lang="en-US" altLang="en-US" dirty="0">
-              <a:ea typeface="ＭＳ Ｐゴシック" charset="-128"/>
-            </a:endParaRPr>
-          </a:p>
-          <a:p>
-            <a:r>
-              <a:rPr lang="en-US" baseline="0" dirty="0"/>
-              <a:t>In this short briefing, I’m going to introduce you to software specifications and design.</a:t>
-            </a:r>
-          </a:p>
-          <a:p>
-            <a:endParaRPr lang="en-US" baseline="0" dirty="0"/>
-          </a:p>
-          <a:p>
-            <a:r>
-              <a:rPr lang="en-US" baseline="0" dirty="0"/>
-              <a:t>[NEXT SLIDE]</a:t>
-            </a:r>
-            <a:endParaRPr lang="en-US" dirty="0"/>
-          </a:p>
-          <a:p>
-            <a:endParaRPr lang="en-US" dirty="0">
-              <a:latin typeface="Palatino Linotype" panose="02040502050505030304" pitchFamily="18" charset="0"/>
-            </a:endParaRPr>
-          </a:p>
-          <a:p>
-            <a:endParaRPr lang="en-US" dirty="0">
-              <a:latin typeface="Palatino Linotype" panose="02040502050505030304" pitchFamily="18" charset="0"/>
-            </a:endParaRPr>
-          </a:p>
-        </p:txBody>
-      </p:sp>
-      <p:sp>
-        <p:nvSpPr>
-          <p:cNvPr id="4" name="Slide Number Placeholder 3"/>
-          <p:cNvSpPr>
-            <a:spLocks noGrp="1"/>
-          </p:cNvSpPr>
-          <p:nvPr>
-            <p:ph type="sldNum" sz="quarter" idx="5"/>
-          </p:nvPr>
-        </p:nvSpPr>
-        <p:spPr/>
-        <p:txBody>
-          <a:bodyPr/>
-          <a:lstStyle/>
-          <a:p>
-            <a:fld id="{3148858F-F1DB-4027-9C85-CCA6849540DD}" type="slidenum">
-              <a:rPr lang="en-US" smtClean="0"/>
-              <a:t>13</a:t>
-            </a:fld>
-            <a:endParaRPr lang="en-US"/>
-          </a:p>
-        </p:txBody>
-      </p:sp>
-    </p:spTree>
-    <p:extLst>
-      <p:ext uri="{BB962C8B-B14F-4D97-AF65-F5344CB8AC3E}">
-        <p14:creationId xmlns:p14="http://schemas.microsoft.com/office/powerpoint/2010/main" val="2583280206"/>
-      </p:ext>
-    </p:extLst>
-  </p:cSld>
-  <p:clrMapOvr>
-    <a:masterClrMapping/>
-  </p:clrMapOvr>
-</p:notes>
-</file>
-
-<file path=ppt/notesSlides/notesSlide14.xml><?xml version="1.0" encoding="utf-8"?>
-<p:notes xmlns:a="http://schemas.openxmlformats.org/drawingml/2006/main" xmlns:r="http://schemas.openxmlformats.org/officeDocument/2006/relationships" xmlns:p="http://schemas.openxmlformats.org/presentationml/2006/main">
-  <p:cSld>
-    <p:spTree>
-      <p:nvGrpSpPr>
-        <p:cNvPr id="1" name=""/>
-        <p:cNvGrpSpPr/>
-        <p:nvPr/>
-      </p:nvGrpSpPr>
-      <p:grpSpPr>
-        <a:xfrm>
-          <a:off x="0" y="0"/>
-          <a:ext cx="0" cy="0"/>
-          <a:chOff x="0" y="0"/>
-          <a:chExt cx="0" cy="0"/>
-        </a:xfrm>
-      </p:grpSpPr>
-      <p:sp>
-        <p:nvSpPr>
-          <p:cNvPr id="2" name="Slide Image Placeholder 1"/>
-          <p:cNvSpPr>
-            <a:spLocks noGrp="1" noRot="1" noChangeAspect="1"/>
-          </p:cNvSpPr>
-          <p:nvPr>
-            <p:ph type="sldImg"/>
-          </p:nvPr>
-        </p:nvSpPr>
-        <p:spPr/>
-      </p:sp>
-      <p:sp>
-        <p:nvSpPr>
-          <p:cNvPr id="3" name="Notes Placeholder 2"/>
-          <p:cNvSpPr>
-            <a:spLocks noGrp="1"/>
-          </p:cNvSpPr>
-          <p:nvPr>
-            <p:ph type="body" idx="1"/>
-          </p:nvPr>
-        </p:nvSpPr>
-        <p:spPr/>
-        <p:txBody>
-          <a:bodyPr/>
-          <a:lstStyle/>
-          <a:p>
-            <a:pPr algn="l"/>
-            <a:r>
-              <a:rPr lang="en-US" b="0" i="0" dirty="0">
-                <a:solidFill>
-                  <a:srgbClr val="000000"/>
-                </a:solidFill>
-                <a:effectLst/>
-                <a:latin typeface="Helvetica Neue"/>
-              </a:rPr>
-              <a:t>Let’s begin with a fundamental idea – the idea of a contract.</a:t>
-            </a:r>
-          </a:p>
-          <a:p>
-            <a:pPr algn="just"/>
-            <a:endParaRPr lang="en-US" b="0" i="0" dirty="0">
-              <a:solidFill>
-                <a:srgbClr val="000000"/>
-              </a:solidFill>
-              <a:effectLst/>
-              <a:latin typeface="Helvetica Neue"/>
-            </a:endParaRPr>
-          </a:p>
-          <a:p>
-            <a:pPr algn="just"/>
-            <a:r>
-              <a:rPr lang="en-US" b="0" i="0" dirty="0">
-                <a:solidFill>
-                  <a:srgbClr val="000000"/>
-                </a:solidFill>
-                <a:effectLst/>
-                <a:latin typeface="Helvetica Neue"/>
-              </a:rPr>
-              <a:t>In the TV series “</a:t>
-            </a:r>
-            <a:r>
-              <a:rPr lang="en-US" b="0" i="1" dirty="0">
-                <a:solidFill>
-                  <a:srgbClr val="000000"/>
-                </a:solidFill>
-                <a:effectLst/>
-                <a:latin typeface="Helvetica Neue"/>
-              </a:rPr>
-              <a:t>The Big Bang Theory</a:t>
-            </a:r>
-            <a:r>
-              <a:rPr lang="en-US" b="0" i="0" dirty="0">
-                <a:solidFill>
-                  <a:srgbClr val="000000"/>
-                </a:solidFill>
-                <a:effectLst/>
-                <a:latin typeface="Helvetica Neue"/>
-              </a:rPr>
-              <a:t>”, the resident genius - Sheldon Cooper - enjoys creating legally-binding agreements that specify the particulars of any relationship he is in. His romance with Amy, for example, is regulated by a relationship agreement – shown here.</a:t>
-            </a:r>
-          </a:p>
-          <a:p>
-            <a:pPr marL="0" marR="0" lvl="0" indent="0" algn="l" defTabSz="914400" rtl="0" eaLnBrk="1" fontAlgn="auto" latinLnBrk="0" hangingPunct="1">
-              <a:lnSpc>
-                <a:spcPct val="100000"/>
-              </a:lnSpc>
-              <a:spcBef>
-                <a:spcPts val="0"/>
-              </a:spcBef>
-              <a:spcAft>
-                <a:spcPts val="0"/>
-              </a:spcAft>
-              <a:buClrTx/>
-              <a:buSzTx/>
-              <a:buFontTx/>
-              <a:buNone/>
-              <a:tabLst/>
-              <a:defRPr/>
-            </a:pPr>
-            <a:endParaRPr lang="en-US" dirty="0"/>
-          </a:p>
-          <a:p>
-            <a:pPr algn="l"/>
-            <a:r>
-              <a:rPr lang="en-US" b="1" i="0" dirty="0">
-                <a:solidFill>
-                  <a:srgbClr val="000000"/>
-                </a:solidFill>
-                <a:effectLst/>
-                <a:latin typeface="Helvetica Neue"/>
-              </a:rPr>
-              <a:t>Python Functions</a:t>
-            </a:r>
-          </a:p>
-          <a:p>
-            <a:pPr algn="just"/>
-            <a:r>
-              <a:rPr lang="en-US" b="0" i="0" dirty="0">
-                <a:solidFill>
-                  <a:srgbClr val="000000"/>
-                </a:solidFill>
-                <a:effectLst/>
-                <a:latin typeface="Helvetica Neue"/>
-              </a:rPr>
-              <a:t>Just as Sheldon's relationship agreement ensures that he and Amy will act in regular and predictable ways, so too the interface to a function is like a contract. If a call to a function passes the correct arguments by key word or in the correct order, the function responds in a predictable way, providing the promised output.</a:t>
-            </a:r>
-          </a:p>
-          <a:p>
-            <a:pPr algn="just"/>
-            <a:endParaRPr lang="en-US" b="0" i="0" dirty="0">
-              <a:solidFill>
-                <a:srgbClr val="000000"/>
-              </a:solidFill>
-              <a:effectLst/>
-              <a:latin typeface="Helvetica Neue"/>
-            </a:endParaRPr>
-          </a:p>
-          <a:p>
-            <a:pPr algn="just"/>
-            <a:r>
-              <a:rPr lang="en-US" b="0" i="0" dirty="0">
-                <a:solidFill>
-                  <a:srgbClr val="000000"/>
-                </a:solidFill>
-                <a:effectLst/>
-                <a:latin typeface="Helvetica Neue"/>
-              </a:rPr>
-              <a:t>Counterintuitively, the first step in creating a function is to define what it will do. I say "counterintuitively" because most programmers simply dive right in and start writing code. This strategy works well for small and rather simple programs. However, you'll quickly run into trouble when the complexity begins to increase. For that reason, seasoned software developers usually begin by writing a specification (spec).  This is a document that spells out the terms of the contract. A well-written spec typically includes interface documentation as well as a clear statement in plain English of the steps to be taken to accomplish the function's task, often called pseudo-code.</a:t>
-            </a:r>
-          </a:p>
-          <a:p>
-            <a:pPr marL="0" marR="0" lvl="0" indent="0" algn="l" defTabSz="914400" rtl="0" eaLnBrk="1" fontAlgn="auto" latinLnBrk="0" hangingPunct="1">
-              <a:lnSpc>
-                <a:spcPct val="100000"/>
-              </a:lnSpc>
-              <a:spcBef>
-                <a:spcPts val="0"/>
-              </a:spcBef>
-              <a:spcAft>
-                <a:spcPts val="0"/>
-              </a:spcAft>
-              <a:buClrTx/>
-              <a:buSzTx/>
-              <a:buFontTx/>
-              <a:buNone/>
-              <a:tabLst/>
-              <a:defRPr/>
-            </a:pPr>
-            <a:br>
-              <a:rPr lang="en-US" dirty="0"/>
-            </a:br>
-            <a:r>
-              <a:rPr lang="en-US" baseline="0" dirty="0"/>
-              <a:t>[NEXT SLIDE]</a:t>
-            </a:r>
-            <a:endParaRPr lang="en-US" dirty="0"/>
-          </a:p>
-          <a:p>
-            <a:endParaRPr lang="en-US" dirty="0"/>
-          </a:p>
-        </p:txBody>
-      </p:sp>
-      <p:sp>
-        <p:nvSpPr>
-          <p:cNvPr id="4" name="Slide Number Placeholder 3"/>
-          <p:cNvSpPr>
-            <a:spLocks noGrp="1"/>
-          </p:cNvSpPr>
-          <p:nvPr>
-            <p:ph type="sldNum" sz="quarter" idx="5"/>
-          </p:nvPr>
-        </p:nvSpPr>
-        <p:spPr/>
-        <p:txBody>
-          <a:bodyPr/>
-          <a:lstStyle/>
-          <a:p>
-            <a:fld id="{3148858F-F1DB-4027-9C85-CCA6849540DD}" type="slidenum">
-              <a:rPr lang="en-US" smtClean="0"/>
-              <a:t>14</a:t>
-            </a:fld>
-            <a:endParaRPr lang="en-US"/>
-          </a:p>
-        </p:txBody>
-      </p:sp>
-    </p:spTree>
-    <p:extLst>
-      <p:ext uri="{BB962C8B-B14F-4D97-AF65-F5344CB8AC3E}">
-        <p14:creationId xmlns:p14="http://schemas.microsoft.com/office/powerpoint/2010/main" val="880453606"/>
-      </p:ext>
-    </p:extLst>
-  </p:cSld>
-  <p:clrMapOvr>
-    <a:masterClrMapping/>
-  </p:clrMapOvr>
-</p:notes>
-</file>
-
-<file path=ppt/notesSlides/notesSlide15.xml><?xml version="1.0" encoding="utf-8"?>
-<p:notes xmlns:a="http://schemas.openxmlformats.org/drawingml/2006/main" xmlns:r="http://schemas.openxmlformats.org/officeDocument/2006/relationships" xmlns:p="http://schemas.openxmlformats.org/presentationml/2006/main">
-  <p:cSld>
-    <p:spTree>
-      <p:nvGrpSpPr>
-        <p:cNvPr id="1" name=""/>
-        <p:cNvGrpSpPr/>
-        <p:nvPr/>
-      </p:nvGrpSpPr>
-      <p:grpSpPr>
-        <a:xfrm>
-          <a:off x="0" y="0"/>
-          <a:ext cx="0" cy="0"/>
-          <a:chOff x="0" y="0"/>
-          <a:chExt cx="0" cy="0"/>
-        </a:xfrm>
-      </p:grpSpPr>
-      <p:sp>
-        <p:nvSpPr>
-          <p:cNvPr id="2" name="Slide Image Placeholder 1"/>
-          <p:cNvSpPr>
-            <a:spLocks noGrp="1" noRot="1" noChangeAspect="1"/>
-          </p:cNvSpPr>
-          <p:nvPr>
-            <p:ph type="sldImg"/>
-          </p:nvPr>
-        </p:nvSpPr>
-        <p:spPr/>
-      </p:sp>
-      <p:sp>
-        <p:nvSpPr>
-          <p:cNvPr id="3" name="Notes Placeholder 2"/>
-          <p:cNvSpPr>
-            <a:spLocks noGrp="1"/>
-          </p:cNvSpPr>
-          <p:nvPr>
-            <p:ph type="body" idx="1"/>
-          </p:nvPr>
-        </p:nvSpPr>
-        <p:spPr/>
-        <p:txBody>
-          <a:bodyPr/>
-          <a:lstStyle/>
-          <a:p>
-            <a:pPr algn="just"/>
-            <a:r>
-              <a:rPr lang="en-US" b="0" i="0" dirty="0">
-                <a:solidFill>
-                  <a:srgbClr val="000000"/>
-                </a:solidFill>
-                <a:effectLst/>
-                <a:latin typeface="Helvetica Neue"/>
-              </a:rPr>
-              <a:t>Let's illustrate this process by writing a spec for a simple function called </a:t>
-            </a:r>
-            <a:r>
-              <a:rPr lang="en-US" b="0" i="1" dirty="0">
-                <a:solidFill>
-                  <a:srgbClr val="000000"/>
-                </a:solidFill>
-                <a:effectLst/>
-                <a:latin typeface="Helvetica Neue"/>
-              </a:rPr>
-              <a:t>multiply.</a:t>
-            </a:r>
-            <a:r>
-              <a:rPr lang="en-US" b="0" i="0" dirty="0">
-                <a:solidFill>
-                  <a:srgbClr val="000000"/>
-                </a:solidFill>
-                <a:effectLst/>
-                <a:latin typeface="Helvetica Neue"/>
-              </a:rPr>
-              <a:t> And here's the initial specification.  Not much to it, is there?</a:t>
-            </a:r>
-          </a:p>
-          <a:p>
-            <a:pPr algn="just"/>
-            <a:endParaRPr lang="en-US" b="0" i="0" dirty="0">
-              <a:solidFill>
-                <a:srgbClr val="000000"/>
-              </a:solidFill>
-              <a:effectLst/>
-              <a:latin typeface="Helvetica Neue"/>
-            </a:endParaRPr>
-          </a:p>
-          <a:p>
-            <a:pPr algn="just"/>
-            <a:r>
-              <a:rPr lang="en-US" b="0" i="0" dirty="0">
-                <a:solidFill>
-                  <a:srgbClr val="000000"/>
-                </a:solidFill>
-                <a:effectLst/>
-                <a:latin typeface="Helvetica Neue"/>
-              </a:rPr>
-              <a:t>Because this function is so simple, we won't bother writing the pseudocode for it. For more complex functions, however, pseudocode is strongly recommended as it helps you understand the flow and logic of your program before you start coding. With all that said, here’s what the code looks like.</a:t>
-            </a:r>
-          </a:p>
-          <a:p>
-            <a:pPr algn="just"/>
-            <a:endParaRPr lang="en-US" b="0" i="0" dirty="0">
-              <a:solidFill>
-                <a:srgbClr val="000000"/>
-              </a:solidFill>
-              <a:effectLst/>
-              <a:latin typeface="Helvetica Neue"/>
-            </a:endParaRPr>
-          </a:p>
-          <a:p>
-            <a:pPr algn="just"/>
-            <a:r>
-              <a:rPr lang="en-US" b="0" i="0" dirty="0">
-                <a:solidFill>
-                  <a:srgbClr val="000000"/>
-                </a:solidFill>
-                <a:effectLst/>
-                <a:latin typeface="Helvetica Neue"/>
-              </a:rPr>
-              <a:t>This is a straightforward function, if there ever was one. Even so, a couple points need to be highlighted. Consider, for example, the documentation (doc) string immediately following the function definition. As you can see, this string is enclosed by three single quotes '‘’.  This information displays whenever you run help() on this function.  And here’s what that looks like.</a:t>
-            </a:r>
-          </a:p>
-          <a:p>
-            <a:pPr algn="just"/>
-            <a:endParaRPr lang="en-US" b="0" i="0" dirty="0">
-              <a:solidFill>
-                <a:srgbClr val="000000"/>
-              </a:solidFill>
-              <a:effectLst/>
-              <a:latin typeface="Helvetica Neue"/>
-            </a:endParaRPr>
-          </a:p>
-          <a:p>
-            <a:pPr marL="0" marR="0" lvl="0" indent="0" algn="just" defTabSz="914400" rtl="0" eaLnBrk="1" fontAlgn="auto" latinLnBrk="0" hangingPunct="1">
-              <a:lnSpc>
-                <a:spcPct val="100000"/>
-              </a:lnSpc>
-              <a:spcBef>
-                <a:spcPts val="0"/>
-              </a:spcBef>
-              <a:spcAft>
-                <a:spcPts val="0"/>
-              </a:spcAft>
-              <a:buClrTx/>
-              <a:buSzTx/>
-              <a:buFontTx/>
-              <a:buNone/>
-              <a:tabLst/>
-              <a:defRPr/>
-            </a:pPr>
-            <a:r>
-              <a:rPr lang="en-US" b="0" i="0" dirty="0">
-                <a:solidFill>
-                  <a:srgbClr val="000000"/>
-                </a:solidFill>
-                <a:effectLst/>
-                <a:latin typeface="Helvetica Neue"/>
-              </a:rPr>
-              <a:t>The last thing I want to point out is the final line of code which begins with a # sign.  The pound sign (#) indicates that anything following it is a comment.  So, in this example, we mark the end of the multiply function with a comment. When developing a module containing many functions, best practice encourages the placement of comments at the end of each function. This helps you to clearly see where one function ends and another begins.  And finally, don’t be afraid of comments.  Use them liberally to document your code.</a:t>
-            </a:r>
-          </a:p>
-          <a:p>
-            <a:pPr algn="just"/>
-            <a:endParaRPr lang="en-US" b="0" i="0" dirty="0">
-              <a:solidFill>
-                <a:srgbClr val="000000"/>
-              </a:solidFill>
-              <a:effectLst/>
-              <a:latin typeface="Helvetica Neue"/>
-            </a:endParaRPr>
-          </a:p>
-          <a:p>
-            <a:pPr algn="just"/>
-            <a:r>
-              <a:rPr lang="en-US" b="0" i="0" dirty="0">
-                <a:solidFill>
-                  <a:srgbClr val="000000"/>
-                </a:solidFill>
-                <a:effectLst/>
-                <a:latin typeface="Helvetica Neue"/>
-              </a:rPr>
-              <a:t>=====</a:t>
-            </a:r>
-          </a:p>
-          <a:p>
-            <a:pPr algn="just"/>
-            <a:r>
-              <a:rPr lang="en-US" b="0" i="0" dirty="0">
-                <a:solidFill>
-                  <a:srgbClr val="000000"/>
-                </a:solidFill>
-                <a:effectLst/>
-                <a:latin typeface="Helvetica Neue"/>
-              </a:rPr>
-              <a:t>In his wonderful book, </a:t>
-            </a:r>
-            <a:r>
-              <a:rPr lang="en-US" b="0" i="1" dirty="0">
-                <a:solidFill>
-                  <a:srgbClr val="000000"/>
-                </a:solidFill>
-                <a:effectLst/>
-                <a:latin typeface="Helvetica Neue"/>
-              </a:rPr>
-              <a:t>Python without Fear,</a:t>
-            </a:r>
-            <a:r>
-              <a:rPr lang="en-US" b="0" i="0" dirty="0">
-                <a:solidFill>
-                  <a:srgbClr val="000000"/>
-                </a:solidFill>
-                <a:effectLst/>
-                <a:latin typeface="Helvetica Neue"/>
-              </a:rPr>
-              <a:t> Brian Overland makes the following points about doc strings (p. 322). You'll want to keep these in mind as you create doc strings for your functions.</a:t>
-            </a:r>
-          </a:p>
-          <a:p>
-            <a:pPr algn="just"/>
-            <a:endParaRPr lang="en-US" b="0" i="0" dirty="0">
-              <a:solidFill>
-                <a:srgbClr val="000000"/>
-              </a:solidFill>
-              <a:effectLst/>
-              <a:latin typeface="Helvetica Neue"/>
-            </a:endParaRPr>
-          </a:p>
-          <a:p>
-            <a:pPr algn="l">
-              <a:buFont typeface="+mj-lt"/>
-              <a:buAutoNum type="arabicPeriod"/>
-            </a:pPr>
-            <a:r>
-              <a:rPr lang="en-US" b="0" i="0" dirty="0">
-                <a:solidFill>
-                  <a:srgbClr val="000000"/>
-                </a:solidFill>
-                <a:effectLst/>
-                <a:latin typeface="Helvetica Neue"/>
-              </a:rPr>
-              <a:t> The doc string must be the first statement after the beginning (header) of the function definition.</a:t>
-            </a:r>
-          </a:p>
-          <a:p>
-            <a:pPr algn="l">
-              <a:buFont typeface="+mj-lt"/>
-              <a:buAutoNum type="arabicPeriod"/>
-            </a:pPr>
-            <a:r>
-              <a:rPr lang="en-US" b="0" i="0" dirty="0">
-                <a:solidFill>
-                  <a:srgbClr val="000000"/>
-                </a:solidFill>
-                <a:effectLst/>
-                <a:latin typeface="Helvetica Neue"/>
-              </a:rPr>
-              <a:t> Normal indentation rules apply. The doc string must be indented under the heading of the definition, just as any statement.</a:t>
-            </a:r>
-          </a:p>
-          <a:p>
-            <a:pPr algn="l">
-              <a:buFont typeface="+mj-lt"/>
-              <a:buAutoNum type="arabicPeriod"/>
-            </a:pPr>
-            <a:r>
-              <a:rPr lang="en-US" b="0" i="0" dirty="0">
-                <a:solidFill>
-                  <a:srgbClr val="000000"/>
-                </a:solidFill>
-                <a:effectLst/>
-                <a:latin typeface="Helvetica Neue"/>
-              </a:rPr>
-              <a:t> The indentation requirement applies only to the first physical line. However, the cleanest style is to continue the indentation of the first line.</a:t>
-            </a:r>
-          </a:p>
-          <a:p>
-            <a:pPr algn="l">
-              <a:buFont typeface="+mj-lt"/>
-              <a:buAutoNum type="arabicPeriod"/>
-            </a:pPr>
-            <a:r>
-              <a:rPr lang="en-US" b="0" i="0" dirty="0">
-                <a:solidFill>
-                  <a:srgbClr val="000000"/>
-                </a:solidFill>
-                <a:effectLst/>
-                <a:latin typeface="Helvetica Neue"/>
-              </a:rPr>
-              <a:t> You can use any kind of quotation marks. However, the literal quote marks (''') enable you to write doc strings that span any number of physical lines.</a:t>
-            </a:r>
-          </a:p>
-          <a:p>
-            <a:pPr algn="just"/>
-            <a:endParaRPr lang="en-US" b="0" i="0" dirty="0">
-              <a:solidFill>
-                <a:srgbClr val="000000"/>
-              </a:solidFill>
-              <a:effectLst/>
-              <a:latin typeface="Helvetica Neue"/>
-            </a:endParaRPr>
-          </a:p>
-          <a:p>
-            <a:pPr marL="0" marR="0" lvl="0" indent="0" algn="just" defTabSz="914400" rtl="0" eaLnBrk="1" fontAlgn="auto" latinLnBrk="0" hangingPunct="1">
-              <a:lnSpc>
-                <a:spcPct val="100000"/>
-              </a:lnSpc>
-              <a:spcBef>
-                <a:spcPts val="0"/>
-              </a:spcBef>
-              <a:spcAft>
-                <a:spcPts val="0"/>
-              </a:spcAft>
-              <a:buClrTx/>
-              <a:buSzTx/>
-              <a:buFontTx/>
-              <a:buNone/>
-              <a:tabLst/>
-              <a:defRPr/>
-            </a:pPr>
-            <a:r>
-              <a:rPr lang="en-US" baseline="0" dirty="0"/>
-              <a:t>[NEXT SLIDE]</a:t>
-            </a:r>
-            <a:endParaRPr lang="en-US" dirty="0"/>
-          </a:p>
-          <a:p>
-            <a:pPr algn="just"/>
-            <a:endParaRPr lang="en-US" b="0" i="0" dirty="0">
-              <a:solidFill>
-                <a:srgbClr val="000000"/>
-              </a:solidFill>
-              <a:effectLst/>
-              <a:latin typeface="Helvetica Neue"/>
-            </a:endParaRPr>
-          </a:p>
-          <a:p>
-            <a:pPr algn="just"/>
-            <a:endParaRPr lang="en-US" b="0" i="0" dirty="0">
-              <a:solidFill>
-                <a:srgbClr val="000000"/>
-              </a:solidFill>
-              <a:effectLst/>
-              <a:latin typeface="Helvetica Neue"/>
-            </a:endParaRPr>
-          </a:p>
-          <a:p>
-            <a:pPr marL="0" marR="0" lvl="0" indent="0" algn="l" defTabSz="914400" rtl="0" eaLnBrk="1" fontAlgn="auto" latinLnBrk="0" hangingPunct="1">
-              <a:lnSpc>
-                <a:spcPct val="100000"/>
-              </a:lnSpc>
-              <a:spcBef>
-                <a:spcPts val="0"/>
-              </a:spcBef>
-              <a:spcAft>
-                <a:spcPts val="0"/>
-              </a:spcAft>
-              <a:buClrTx/>
-              <a:buSzTx/>
-              <a:buFontTx/>
-              <a:buNone/>
-              <a:tabLst/>
-              <a:defRPr/>
-            </a:pPr>
-            <a:endParaRPr lang="en-US" dirty="0"/>
-          </a:p>
-        </p:txBody>
-      </p:sp>
-      <p:sp>
-        <p:nvSpPr>
-          <p:cNvPr id="4" name="Slide Number Placeholder 3"/>
-          <p:cNvSpPr>
-            <a:spLocks noGrp="1"/>
-          </p:cNvSpPr>
-          <p:nvPr>
-            <p:ph type="sldNum" sz="quarter" idx="5"/>
-          </p:nvPr>
-        </p:nvSpPr>
-        <p:spPr/>
-        <p:txBody>
-          <a:bodyPr/>
-          <a:lstStyle/>
-          <a:p>
-            <a:fld id="{3148858F-F1DB-4027-9C85-CCA6849540DD}" type="slidenum">
-              <a:rPr lang="en-US" smtClean="0"/>
-              <a:t>15</a:t>
-            </a:fld>
-            <a:endParaRPr lang="en-US"/>
-          </a:p>
-        </p:txBody>
-      </p:sp>
-    </p:spTree>
-    <p:extLst>
-      <p:ext uri="{BB962C8B-B14F-4D97-AF65-F5344CB8AC3E}">
-        <p14:creationId xmlns:p14="http://schemas.microsoft.com/office/powerpoint/2010/main" val="932329178"/>
-      </p:ext>
-    </p:extLst>
-  </p:cSld>
-  <p:clrMapOvr>
-    <a:masterClrMapping/>
-  </p:clrMapOvr>
-</p:notes>
-</file>
-
-<file path=ppt/notesSlides/notesSlide16.xml><?xml version="1.0" encoding="utf-8"?>
-<p:notes xmlns:a="http://schemas.openxmlformats.org/drawingml/2006/main" xmlns:r="http://schemas.openxmlformats.org/officeDocument/2006/relationships" xmlns:p="http://schemas.openxmlformats.org/presentationml/2006/main">
-  <p:cSld>
-    <p:spTree>
-      <p:nvGrpSpPr>
-        <p:cNvPr id="1" name=""/>
-        <p:cNvGrpSpPr/>
-        <p:nvPr/>
-      </p:nvGrpSpPr>
-      <p:grpSpPr>
-        <a:xfrm>
-          <a:off x="0" y="0"/>
-          <a:ext cx="0" cy="0"/>
-          <a:chOff x="0" y="0"/>
-          <a:chExt cx="0" cy="0"/>
-        </a:xfrm>
-      </p:grpSpPr>
-      <p:sp>
-        <p:nvSpPr>
-          <p:cNvPr id="2" name="Slide Image Placeholder 1"/>
-          <p:cNvSpPr>
-            <a:spLocks noGrp="1" noRot="1" noChangeAspect="1"/>
-          </p:cNvSpPr>
-          <p:nvPr>
-            <p:ph type="sldImg"/>
-          </p:nvPr>
-        </p:nvSpPr>
-        <p:spPr/>
-      </p:sp>
-      <p:sp>
-        <p:nvSpPr>
-          <p:cNvPr id="3" name="Notes Placeholder 2"/>
-          <p:cNvSpPr>
-            <a:spLocks noGrp="1"/>
-          </p:cNvSpPr>
-          <p:nvPr>
-            <p:ph type="body" idx="1"/>
-          </p:nvPr>
-        </p:nvSpPr>
-        <p:spPr/>
-        <p:txBody>
-          <a:bodyPr/>
-          <a:lstStyle/>
-          <a:p>
-            <a:r>
-              <a:rPr lang="en-US" dirty="0"/>
-              <a:t>Because we have not yet seen what pseudocode and flowcharts look like, I end this briefing with examples of both.  First, here’s the pseudocode for creating a cup of tea.  With pseudocode, you want to concisely state </a:t>
-            </a:r>
-            <a:r>
-              <a:rPr lang="en-US" b="1" dirty="0"/>
-              <a:t>what</a:t>
-            </a:r>
-            <a:r>
-              <a:rPr lang="en-US" dirty="0"/>
-              <a:t> each step of your program will do.  </a:t>
-            </a:r>
-            <a:r>
-              <a:rPr lang="en-US" b="1" dirty="0"/>
-              <a:t>How</a:t>
-            </a:r>
-            <a:r>
-              <a:rPr lang="en-US" dirty="0"/>
-              <a:t> that is accomplished, however, is written in code.</a:t>
-            </a:r>
-          </a:p>
-          <a:p>
-            <a:endParaRPr lang="en-US" dirty="0"/>
-          </a:p>
-          <a:p>
-            <a:pPr marL="0" marR="0" lvl="0" indent="0" algn="l" defTabSz="914400" rtl="0" eaLnBrk="1" fontAlgn="auto" latinLnBrk="0" hangingPunct="1">
-              <a:lnSpc>
-                <a:spcPct val="100000"/>
-              </a:lnSpc>
-              <a:spcBef>
-                <a:spcPts val="0"/>
-              </a:spcBef>
-              <a:spcAft>
-                <a:spcPts val="0"/>
-              </a:spcAft>
-              <a:buClrTx/>
-              <a:buSzTx/>
-              <a:buFontTx/>
-              <a:buNone/>
-              <a:tabLst/>
-              <a:defRPr/>
-            </a:pPr>
-            <a:r>
-              <a:rPr lang="en-US" baseline="0" dirty="0"/>
-              <a:t>[NEXT SLIDE]</a:t>
-            </a:r>
-            <a:endParaRPr lang="en-US" dirty="0"/>
-          </a:p>
-          <a:p>
-            <a:endParaRPr lang="en-US" dirty="0"/>
-          </a:p>
-        </p:txBody>
-      </p:sp>
-      <p:sp>
-        <p:nvSpPr>
-          <p:cNvPr id="4" name="Slide Number Placeholder 3"/>
-          <p:cNvSpPr>
-            <a:spLocks noGrp="1"/>
-          </p:cNvSpPr>
-          <p:nvPr>
-            <p:ph type="sldNum" sz="quarter" idx="5"/>
-          </p:nvPr>
-        </p:nvSpPr>
-        <p:spPr/>
-        <p:txBody>
-          <a:bodyPr/>
-          <a:lstStyle/>
-          <a:p>
-            <a:fld id="{3148858F-F1DB-4027-9C85-CCA6849540DD}" type="slidenum">
-              <a:rPr lang="en-US" smtClean="0"/>
-              <a:t>16</a:t>
-            </a:fld>
-            <a:endParaRPr lang="en-US"/>
-          </a:p>
-        </p:txBody>
-      </p:sp>
-    </p:spTree>
-    <p:extLst>
-      <p:ext uri="{BB962C8B-B14F-4D97-AF65-F5344CB8AC3E}">
-        <p14:creationId xmlns:p14="http://schemas.microsoft.com/office/powerpoint/2010/main" val="74931409"/>
-      </p:ext>
-    </p:extLst>
-  </p:cSld>
-  <p:clrMapOvr>
-    <a:masterClrMapping/>
-  </p:clrMapOvr>
-</p:notes>
-</file>
-
-<file path=ppt/notesSlides/notesSlide17.xml><?xml version="1.0" encoding="utf-8"?>
-<p:notes xmlns:a="http://schemas.openxmlformats.org/drawingml/2006/main" xmlns:r="http://schemas.openxmlformats.org/officeDocument/2006/relationships" xmlns:p="http://schemas.openxmlformats.org/presentationml/2006/main">
-  <p:cSld>
-    <p:spTree>
-      <p:nvGrpSpPr>
-        <p:cNvPr id="1" name=""/>
-        <p:cNvGrpSpPr/>
-        <p:nvPr/>
-      </p:nvGrpSpPr>
-      <p:grpSpPr>
-        <a:xfrm>
-          <a:off x="0" y="0"/>
-          <a:ext cx="0" cy="0"/>
-          <a:chOff x="0" y="0"/>
-          <a:chExt cx="0" cy="0"/>
-        </a:xfrm>
-      </p:grpSpPr>
-      <p:sp>
-        <p:nvSpPr>
-          <p:cNvPr id="2" name="Slide Image Placeholder 1"/>
-          <p:cNvSpPr>
-            <a:spLocks noGrp="1" noRot="1" noChangeAspect="1"/>
-          </p:cNvSpPr>
-          <p:nvPr>
-            <p:ph type="sldImg"/>
-          </p:nvPr>
-        </p:nvSpPr>
-        <p:spPr/>
-      </p:sp>
-      <p:sp>
-        <p:nvSpPr>
-          <p:cNvPr id="3" name="Notes Placeholder 2"/>
-          <p:cNvSpPr>
-            <a:spLocks noGrp="1"/>
-          </p:cNvSpPr>
-          <p:nvPr>
-            <p:ph type="body" idx="1"/>
-          </p:nvPr>
-        </p:nvSpPr>
-        <p:spPr/>
-        <p:txBody>
-          <a:bodyPr/>
-          <a:lstStyle/>
-          <a:p>
-            <a:r>
-              <a:rPr lang="en-US" dirty="0"/>
-              <a:t>Flowcharts are another great way to think through the underlying logic of your program.  All that to say, flowcharts and pseudocode are your friends.  But the hardest part is forcing yourself to sit down and think through your program.  Most people dive right into the coding.  But as my friend and mentor – Dr. Clay Shepherd – once said, “The first to code is always the last to finish.”</a:t>
-            </a:r>
-          </a:p>
-          <a:p>
-            <a:endParaRPr lang="en-US" sz="2400" dirty="0"/>
-          </a:p>
-          <a:p>
-            <a:endParaRPr lang="en-US" dirty="0"/>
-          </a:p>
-          <a:p>
-            <a:pPr marL="0" marR="0" lvl="0" indent="0" algn="l" defTabSz="914400" rtl="0" eaLnBrk="1" fontAlgn="auto" latinLnBrk="0" hangingPunct="1">
-              <a:lnSpc>
-                <a:spcPct val="100000"/>
-              </a:lnSpc>
-              <a:spcBef>
-                <a:spcPts val="0"/>
-              </a:spcBef>
-              <a:spcAft>
-                <a:spcPts val="0"/>
-              </a:spcAft>
-              <a:buClrTx/>
-              <a:buSzTx/>
-              <a:buFontTx/>
-              <a:buNone/>
-              <a:tabLst/>
-              <a:defRPr/>
-            </a:pPr>
-            <a:r>
-              <a:rPr lang="en-US" baseline="0" dirty="0"/>
-              <a:t>[NEXT SLIDE]</a:t>
-            </a:r>
-            <a:endParaRPr lang="en-US" dirty="0"/>
-          </a:p>
-          <a:p>
-            <a:endParaRPr lang="en-US" dirty="0"/>
-          </a:p>
-        </p:txBody>
-      </p:sp>
-      <p:sp>
-        <p:nvSpPr>
-          <p:cNvPr id="4" name="Slide Number Placeholder 3"/>
-          <p:cNvSpPr>
-            <a:spLocks noGrp="1"/>
-          </p:cNvSpPr>
-          <p:nvPr>
-            <p:ph type="sldNum" sz="quarter" idx="5"/>
-          </p:nvPr>
-        </p:nvSpPr>
-        <p:spPr/>
-        <p:txBody>
-          <a:bodyPr/>
-          <a:lstStyle/>
-          <a:p>
-            <a:fld id="{3148858F-F1DB-4027-9C85-CCA6849540DD}" type="slidenum">
-              <a:rPr lang="en-US" smtClean="0"/>
-              <a:t>17</a:t>
-            </a:fld>
-            <a:endParaRPr lang="en-US"/>
-          </a:p>
-        </p:txBody>
-      </p:sp>
-    </p:spTree>
-    <p:extLst>
-      <p:ext uri="{BB962C8B-B14F-4D97-AF65-F5344CB8AC3E}">
-        <p14:creationId xmlns:p14="http://schemas.microsoft.com/office/powerpoint/2010/main" val="766365656"/>
-      </p:ext>
-    </p:extLst>
-  </p:cSld>
-  <p:clrMapOvr>
-    <a:masterClrMapping/>
-  </p:clrMapOvr>
-</p:notes>
-</file>
-
 <file path=ppt/notesSlides/notesSlide2.xml><?xml version="1.0" encoding="utf-8"?>
 <p:notes xmlns:a="http://schemas.openxmlformats.org/drawingml/2006/main" xmlns:r="http://schemas.openxmlformats.org/officeDocument/2006/relationships" xmlns:p="http://schemas.openxmlformats.org/presentationml/2006/main">
   <p:cSld>
@@ -5458,7 +4488,7 @@
           <a:p>
             <a:fld id="{C3F78080-8D0A-4BE8-A5B4-CB115102D524}" type="datetimeFigureOut">
               <a:rPr lang="en-US" smtClean="0"/>
-              <a:t>7/5/2023</a:t>
+              <a:t>7/6/2023</a:t>
             </a:fld>
             <a:endParaRPr lang="en-US"/>
           </a:p>
@@ -5656,7 +4686,7 @@
           <a:p>
             <a:fld id="{C3F78080-8D0A-4BE8-A5B4-CB115102D524}" type="datetimeFigureOut">
               <a:rPr lang="en-US" smtClean="0"/>
-              <a:t>7/5/2023</a:t>
+              <a:t>7/6/2023</a:t>
             </a:fld>
             <a:endParaRPr lang="en-US"/>
           </a:p>
@@ -5864,7 +4894,7 @@
           <a:p>
             <a:fld id="{C3F78080-8D0A-4BE8-A5B4-CB115102D524}" type="datetimeFigureOut">
               <a:rPr lang="en-US" smtClean="0"/>
-              <a:t>7/5/2023</a:t>
+              <a:t>7/6/2023</a:t>
             </a:fld>
             <a:endParaRPr lang="en-US"/>
           </a:p>
@@ -6062,7 +5092,7 @@
           <a:p>
             <a:fld id="{C3F78080-8D0A-4BE8-A5B4-CB115102D524}" type="datetimeFigureOut">
               <a:rPr lang="en-US" smtClean="0"/>
-              <a:t>7/5/2023</a:t>
+              <a:t>7/6/2023</a:t>
             </a:fld>
             <a:endParaRPr lang="en-US"/>
           </a:p>
@@ -6337,7 +5367,7 @@
           <a:p>
             <a:fld id="{C3F78080-8D0A-4BE8-A5B4-CB115102D524}" type="datetimeFigureOut">
               <a:rPr lang="en-US" smtClean="0"/>
-              <a:t>7/5/2023</a:t>
+              <a:t>7/6/2023</a:t>
             </a:fld>
             <a:endParaRPr lang="en-US"/>
           </a:p>
@@ -6602,7 +5632,7 @@
           <a:p>
             <a:fld id="{C3F78080-8D0A-4BE8-A5B4-CB115102D524}" type="datetimeFigureOut">
               <a:rPr lang="en-US" smtClean="0"/>
-              <a:t>7/5/2023</a:t>
+              <a:t>7/6/2023</a:t>
             </a:fld>
             <a:endParaRPr lang="en-US"/>
           </a:p>
@@ -7014,7 +6044,7 @@
           <a:p>
             <a:fld id="{C3F78080-8D0A-4BE8-A5B4-CB115102D524}" type="datetimeFigureOut">
               <a:rPr lang="en-US" smtClean="0"/>
-              <a:t>7/5/2023</a:t>
+              <a:t>7/6/2023</a:t>
             </a:fld>
             <a:endParaRPr lang="en-US"/>
           </a:p>
@@ -7155,7 +6185,7 @@
           <a:p>
             <a:fld id="{C3F78080-8D0A-4BE8-A5B4-CB115102D524}" type="datetimeFigureOut">
               <a:rPr lang="en-US" smtClean="0"/>
-              <a:t>7/5/2023</a:t>
+              <a:t>7/6/2023</a:t>
             </a:fld>
             <a:endParaRPr lang="en-US"/>
           </a:p>
@@ -7268,7 +6298,7 @@
           <a:p>
             <a:fld id="{C3F78080-8D0A-4BE8-A5B4-CB115102D524}" type="datetimeFigureOut">
               <a:rPr lang="en-US" smtClean="0"/>
-              <a:t>7/5/2023</a:t>
+              <a:t>7/6/2023</a:t>
             </a:fld>
             <a:endParaRPr lang="en-US"/>
           </a:p>
@@ -7579,7 +6609,7 @@
           <a:p>
             <a:fld id="{C3F78080-8D0A-4BE8-A5B4-CB115102D524}" type="datetimeFigureOut">
               <a:rPr lang="en-US" smtClean="0"/>
-              <a:t>7/5/2023</a:t>
+              <a:t>7/6/2023</a:t>
             </a:fld>
             <a:endParaRPr lang="en-US"/>
           </a:p>
@@ -7867,7 +6897,7 @@
           <a:p>
             <a:fld id="{C3F78080-8D0A-4BE8-A5B4-CB115102D524}" type="datetimeFigureOut">
               <a:rPr lang="en-US" smtClean="0"/>
-              <a:t>7/5/2023</a:t>
+              <a:t>7/6/2023</a:t>
             </a:fld>
             <a:endParaRPr lang="en-US"/>
           </a:p>
@@ -8108,7 +7138,7 @@
           <a:p>
             <a:fld id="{C3F78080-8D0A-4BE8-A5B4-CB115102D524}" type="datetimeFigureOut">
               <a:rPr lang="en-US" smtClean="0"/>
-              <a:t>7/5/2023</a:t>
+              <a:t>7/6/2023</a:t>
             </a:fld>
             <a:endParaRPr lang="en-US"/>
           </a:p>
@@ -8661,13 +7691,13 @@
   <p:clrMapOvr>
     <a:masterClrMapping/>
   </p:clrMapOvr>
-  <mc:AlternateContent xmlns:mc="http://schemas.openxmlformats.org/markup-compatibility/2006">
-    <mc:Choice xmlns:p14="http://schemas.microsoft.com/office/powerpoint/2010/main" Requires="p14">
+  <mc:AlternateContent xmlns:mc="http://schemas.openxmlformats.org/markup-compatibility/2006" xmlns:p14="http://schemas.microsoft.com/office/powerpoint/2010/main">
+    <mc:Choice Requires="p14">
       <p:transition spd="med" p14:dur="700">
         <p:fade/>
       </p:transition>
     </mc:Choice>
-    <mc:Fallback>
+    <mc:Fallback xmlns="">
       <p:transition spd="med">
         <p:fade/>
       </p:transition>
@@ -10622,13 +9652,13 @@
   <p:clrMapOvr>
     <a:masterClrMapping/>
   </p:clrMapOvr>
-  <mc:AlternateContent xmlns:mc="http://schemas.openxmlformats.org/markup-compatibility/2006">
-    <mc:Choice xmlns:p14="http://schemas.microsoft.com/office/powerpoint/2010/main" Requires="p14">
+  <mc:AlternateContent xmlns:mc="http://schemas.openxmlformats.org/markup-compatibility/2006" xmlns:p14="http://schemas.microsoft.com/office/powerpoint/2010/main">
+    <mc:Choice Requires="p14">
       <p:transition spd="med" p14:dur="700">
         <p:fade/>
       </p:transition>
     </mc:Choice>
-    <mc:Fallback>
+    <mc:Fallback xmlns="">
       <p:transition spd="med">
         <p:fade/>
       </p:transition>
@@ -10769,3343 +9799,6 @@
 </p:sld>
 </file>
 
-<file path=ppt/slides/slide13.xml><?xml version="1.0" encoding="utf-8"?>
-<p:sld xmlns:a="http://schemas.openxmlformats.org/drawingml/2006/main" xmlns:r="http://schemas.openxmlformats.org/officeDocument/2006/relationships" xmlns:p="http://schemas.openxmlformats.org/presentationml/2006/main">
-  <p:cSld>
-    <p:spTree>
-      <p:nvGrpSpPr>
-        <p:cNvPr id="1" name=""/>
-        <p:cNvGrpSpPr/>
-        <p:nvPr/>
-      </p:nvGrpSpPr>
-      <p:grpSpPr>
-        <a:xfrm>
-          <a:off x="0" y="0"/>
-          <a:ext cx="0" cy="0"/>
-          <a:chOff x="0" y="0"/>
-          <a:chExt cx="0" cy="0"/>
-        </a:xfrm>
-      </p:grpSpPr>
-      <p:pic>
-        <p:nvPicPr>
-          <p:cNvPr id="6" name="Graphic 5">
-            <a:extLst>
-              <a:ext uri="{FF2B5EF4-FFF2-40B4-BE49-F238E27FC236}">
-                <a16:creationId xmlns:a16="http://schemas.microsoft.com/office/drawing/2014/main" id="{D035209F-C587-7FC6-E954-C27464E4EBB0}"/>
-              </a:ext>
-              <a:ext uri="{C183D7F6-B498-43B3-948B-1728B52AA6E4}">
-                <adec:decorative xmlns:adec="http://schemas.microsoft.com/office/drawing/2017/decorative" val="1"/>
-              </a:ext>
-            </a:extLst>
-          </p:cNvPr>
-          <p:cNvPicPr>
-            <a:picLocks noChangeAspect="1"/>
-          </p:cNvPicPr>
-          <p:nvPr/>
-        </p:nvPicPr>
-        <p:blipFill>
-          <a:blip r:embed="rId3">
-            <a:extLst>
-              <a:ext uri="{28A0092B-C50C-407E-A947-70E740481C1C}">
-                <a14:useLocalDpi xmlns:a14="http://schemas.microsoft.com/office/drawing/2010/main" val="0"/>
-              </a:ext>
-              <a:ext uri="{96DAC541-7B7A-43D3-8B79-37D633B846F1}">
-                <asvg:svgBlip xmlns:asvg="http://schemas.microsoft.com/office/drawing/2016/SVG/main" r:embed="rId4"/>
-              </a:ext>
-            </a:extLst>
-          </a:blip>
-          <a:stretch>
-            <a:fillRect/>
-          </a:stretch>
-        </p:blipFill>
-        <p:spPr>
-          <a:xfrm>
-            <a:off x="11200705" y="5821251"/>
-            <a:ext cx="864635" cy="864635"/>
-          </a:xfrm>
-          <a:prstGeom prst="rect">
-            <a:avLst/>
-          </a:prstGeom>
-        </p:spPr>
-      </p:pic>
-      <p:pic>
-        <p:nvPicPr>
-          <p:cNvPr id="8" name="Picture 7" descr="Practicum AI">
-            <a:extLst>
-              <a:ext uri="{FF2B5EF4-FFF2-40B4-BE49-F238E27FC236}">
-                <a16:creationId xmlns:a16="http://schemas.microsoft.com/office/drawing/2014/main" id="{755F653B-607E-3F55-E310-CE8EC1DEEC88}"/>
-              </a:ext>
-            </a:extLst>
-          </p:cNvPr>
-          <p:cNvPicPr>
-            <a:picLocks noChangeAspect="1"/>
-          </p:cNvPicPr>
-          <p:nvPr/>
-        </p:nvPicPr>
-        <p:blipFill>
-          <a:blip r:embed="rId5">
-            <a:extLst>
-              <a:ext uri="{28A0092B-C50C-407E-A947-70E740481C1C}">
-                <a14:useLocalDpi xmlns:a14="http://schemas.microsoft.com/office/drawing/2010/main" val="0"/>
-              </a:ext>
-            </a:extLst>
-          </a:blip>
-          <a:stretch>
-            <a:fillRect/>
-          </a:stretch>
-        </p:blipFill>
-        <p:spPr>
-          <a:xfrm>
-            <a:off x="147918" y="3429000"/>
-            <a:ext cx="7772400" cy="2109073"/>
-          </a:xfrm>
-          <a:prstGeom prst="rect">
-            <a:avLst/>
-          </a:prstGeom>
-        </p:spPr>
-      </p:pic>
-      <p:sp>
-        <p:nvSpPr>
-          <p:cNvPr id="2" name="Title 1">
-            <a:extLst>
-              <a:ext uri="{FF2B5EF4-FFF2-40B4-BE49-F238E27FC236}">
-                <a16:creationId xmlns:a16="http://schemas.microsoft.com/office/drawing/2014/main" id="{13A35BA5-2B58-4C12-A2F4-5E94A1936339}"/>
-              </a:ext>
-            </a:extLst>
-          </p:cNvPr>
-          <p:cNvSpPr>
-            <a:spLocks noGrp="1"/>
-          </p:cNvSpPr>
-          <p:nvPr>
-            <p:ph type="title"/>
-          </p:nvPr>
-        </p:nvSpPr>
-        <p:spPr>
-          <a:xfrm>
-            <a:off x="436904" y="5270590"/>
-            <a:ext cx="10515600" cy="1355008"/>
-          </a:xfrm>
-        </p:spPr>
-        <p:txBody>
-          <a:bodyPr/>
-          <a:lstStyle/>
-          <a:p>
-            <a:pPr rtl="0" eaLnBrk="1" latinLnBrk="0" hangingPunct="1"/>
-            <a:r>
-              <a:rPr lang="en-US" sz="2400" dirty="0">
-                <a:solidFill>
-                  <a:srgbClr val="898989"/>
-                </a:solidFill>
-                <a:latin typeface="Avenir" panose="02000503020000020003"/>
-                <a:ea typeface="+mn-ea"/>
-                <a:cs typeface="Segoe UI" panose="020B0502040204020203" pitchFamily="34" charset="0"/>
-              </a:rPr>
-              <a:t>Software Specifications and Design</a:t>
-            </a:r>
-            <a:endParaRPr lang="en-US" dirty="0">
-              <a:effectLst/>
-            </a:endParaRPr>
-          </a:p>
-          <a:p>
-            <a:endParaRPr lang="en-US" dirty="0"/>
-          </a:p>
-        </p:txBody>
-      </p:sp>
-    </p:spTree>
-    <p:extLst>
-      <p:ext uri="{BB962C8B-B14F-4D97-AF65-F5344CB8AC3E}">
-        <p14:creationId xmlns:p14="http://schemas.microsoft.com/office/powerpoint/2010/main" val="1226449762"/>
-      </p:ext>
-    </p:extLst>
-  </p:cSld>
-  <p:clrMapOvr>
-    <a:masterClrMapping/>
-  </p:clrMapOvr>
-  <mc:AlternateContent xmlns:mc="http://schemas.openxmlformats.org/markup-compatibility/2006">
-    <mc:Choice xmlns:p14="http://schemas.microsoft.com/office/powerpoint/2010/main" Requires="p14">
-      <p:transition spd="med" p14:dur="700">
-        <p:fade/>
-      </p:transition>
-    </mc:Choice>
-    <mc:Fallback>
-      <p:transition spd="med">
-        <p:fade/>
-      </p:transition>
-    </mc:Fallback>
-  </mc:AlternateContent>
-</p:sld>
-</file>
-
-<file path=ppt/slides/slide14.xml><?xml version="1.0" encoding="utf-8"?>
-<p:sld xmlns:a="http://schemas.openxmlformats.org/drawingml/2006/main" xmlns:r="http://schemas.openxmlformats.org/officeDocument/2006/relationships" xmlns:p="http://schemas.openxmlformats.org/presentationml/2006/main">
-  <p:cSld>
-    <p:bg>
-      <p:bgPr>
-        <a:solidFill>
-          <a:schemeClr val="bg1"/>
-        </a:solidFill>
-        <a:effectLst/>
-      </p:bgPr>
-    </p:bg>
-    <p:spTree>
-      <p:nvGrpSpPr>
-        <p:cNvPr id="1" name=""/>
-        <p:cNvGrpSpPr/>
-        <p:nvPr/>
-      </p:nvGrpSpPr>
-      <p:grpSpPr>
-        <a:xfrm>
-          <a:off x="0" y="0"/>
-          <a:ext cx="0" cy="0"/>
-          <a:chOff x="0" y="0"/>
-          <a:chExt cx="0" cy="0"/>
-        </a:xfrm>
-      </p:grpSpPr>
-      <p:sp>
-        <p:nvSpPr>
-          <p:cNvPr id="2" name="Title 1">
-            <a:extLst>
-              <a:ext uri="{FF2B5EF4-FFF2-40B4-BE49-F238E27FC236}">
-                <a16:creationId xmlns:a16="http://schemas.microsoft.com/office/drawing/2014/main" id="{17EDFFD0-B58E-4640-B34D-EA17AAEC1079}"/>
-              </a:ext>
-            </a:extLst>
-          </p:cNvPr>
-          <p:cNvSpPr>
-            <a:spLocks noGrp="1"/>
-          </p:cNvSpPr>
-          <p:nvPr>
-            <p:ph type="title"/>
-          </p:nvPr>
-        </p:nvSpPr>
-        <p:spPr>
-          <a:xfrm>
-            <a:off x="838200" y="-629650"/>
-            <a:ext cx="10515600" cy="659806"/>
-          </a:xfrm>
-        </p:spPr>
-        <p:txBody>
-          <a:bodyPr>
-            <a:normAutofit fontScale="90000"/>
-          </a:bodyPr>
-          <a:lstStyle/>
-          <a:p>
-            <a:r>
-              <a:rPr lang="en-US"/>
-              <a:t>Python Functions are like Contracts</a:t>
-            </a:r>
-          </a:p>
-        </p:txBody>
-      </p:sp>
-      <p:pic>
-        <p:nvPicPr>
-          <p:cNvPr id="4" name="Picture 2" descr="Pin on movies">
-            <a:extLst>
-              <a:ext uri="{FF2B5EF4-FFF2-40B4-BE49-F238E27FC236}">
-                <a16:creationId xmlns:a16="http://schemas.microsoft.com/office/drawing/2014/main" id="{ADA40601-B1F6-4F6B-8513-E9639CEEB387}"/>
-              </a:ext>
-            </a:extLst>
-          </p:cNvPr>
-          <p:cNvPicPr>
-            <a:picLocks noChangeAspect="1" noChangeArrowheads="1"/>
-          </p:cNvPicPr>
-          <p:nvPr/>
-        </p:nvPicPr>
-        <p:blipFill>
-          <a:blip r:embed="rId3">
-            <a:extLst>
-              <a:ext uri="{28A0092B-C50C-407E-A947-70E740481C1C}">
-                <a14:useLocalDpi xmlns:a14="http://schemas.microsoft.com/office/drawing/2010/main" val="0"/>
-              </a:ext>
-            </a:extLst>
-          </a:blip>
-          <a:srcRect/>
-          <a:stretch>
-            <a:fillRect/>
-          </a:stretch>
-        </p:blipFill>
-        <p:spPr bwMode="auto">
-          <a:xfrm>
-            <a:off x="3941445" y="215234"/>
-            <a:ext cx="4309110" cy="5756971"/>
-          </a:xfrm>
-          <a:prstGeom prst="rect">
-            <a:avLst/>
-          </a:prstGeom>
-          <a:noFill/>
-          <a:ln w="6350">
-            <a:solidFill>
-              <a:schemeClr val="tx1">
-                <a:lumMod val="75000"/>
-                <a:lumOff val="25000"/>
-              </a:schemeClr>
-            </a:solidFill>
-          </a:ln>
-          <a:effectLst>
-            <a:outerShdw blurRad="50800" dist="38100" dir="2700000" algn="tl" rotWithShape="0">
-              <a:prstClr val="black">
-                <a:alpha val="40000"/>
-              </a:prstClr>
-            </a:outerShdw>
-          </a:effectLst>
-          <a:extLst>
-            <a:ext uri="{909E8E84-426E-40DD-AFC4-6F175D3DCCD1}">
-              <a14:hiddenFill xmlns:a14="http://schemas.microsoft.com/office/drawing/2010/main">
-                <a:solidFill>
-                  <a:srgbClr val="FFFFFF"/>
-                </a:solidFill>
-              </a14:hiddenFill>
-            </a:ext>
-          </a:extLst>
-        </p:spPr>
-      </p:pic>
-      <p:sp>
-        <p:nvSpPr>
-          <p:cNvPr id="3" name="TextBox 2">
-            <a:extLst>
-              <a:ext uri="{FF2B5EF4-FFF2-40B4-BE49-F238E27FC236}">
-                <a16:creationId xmlns:a16="http://schemas.microsoft.com/office/drawing/2014/main" id="{91539208-98CD-4C99-8F58-BF37A6DB9020}"/>
-              </a:ext>
-            </a:extLst>
-          </p:cNvPr>
-          <p:cNvSpPr txBox="1"/>
-          <p:nvPr/>
-        </p:nvSpPr>
-        <p:spPr>
-          <a:xfrm>
-            <a:off x="13863" y="6245423"/>
-            <a:ext cx="11125200" cy="523220"/>
-          </a:xfrm>
-          <a:prstGeom prst="rect">
-            <a:avLst/>
-          </a:prstGeom>
-          <a:solidFill>
-            <a:schemeClr val="bg1"/>
-          </a:solidFill>
-        </p:spPr>
-        <p:txBody>
-          <a:bodyPr wrap="square" rtlCol="0">
-            <a:spAutoFit/>
-          </a:bodyPr>
-          <a:lstStyle/>
-          <a:p>
-            <a:pPr>
-              <a:defRPr/>
-            </a:pPr>
-            <a:r>
-              <a:rPr lang="en-US" sz="1400" dirty="0">
-                <a:solidFill>
-                  <a:schemeClr val="tx1">
-                    <a:lumMod val="65000"/>
-                    <a:lumOff val="35000"/>
-                  </a:schemeClr>
-                </a:solidFill>
-              </a:rPr>
-              <a:t>Image Credit:  Lorre, C., </a:t>
-            </a:r>
-            <a:r>
-              <a:rPr lang="en-US" sz="1400" dirty="0" err="1">
-                <a:solidFill>
-                  <a:schemeClr val="tx1">
-                    <a:lumMod val="65000"/>
-                    <a:lumOff val="35000"/>
-                  </a:schemeClr>
-                </a:solidFill>
-              </a:rPr>
-              <a:t>Prady</a:t>
-            </a:r>
-            <a:r>
-              <a:rPr lang="en-US" sz="1400" dirty="0">
-                <a:solidFill>
-                  <a:schemeClr val="tx1">
-                    <a:lumMod val="65000"/>
-                    <a:lumOff val="35000"/>
-                  </a:schemeClr>
-                </a:solidFill>
-              </a:rPr>
-              <a:t>, B., &amp; Reynolds, J. (Writers), &amp; Cendrowski, M. (Director). (2011, November 17). The Flaming Spittoon Acquisition (Season 5, Episode 10) [TV series episode]. In (Executive Producer), </a:t>
-            </a:r>
-            <a:r>
-              <a:rPr lang="en-US" sz="1400" i="1" dirty="0">
-                <a:solidFill>
-                  <a:schemeClr val="tx1">
-                    <a:lumMod val="65000"/>
-                    <a:lumOff val="35000"/>
-                  </a:schemeClr>
-                </a:solidFill>
-              </a:rPr>
-              <a:t>The Big Bang Theory.</a:t>
-            </a:r>
-            <a:r>
-              <a:rPr lang="en-US" sz="1400" dirty="0">
-                <a:solidFill>
-                  <a:schemeClr val="tx1">
-                    <a:lumMod val="65000"/>
-                    <a:lumOff val="35000"/>
-                  </a:schemeClr>
-                </a:solidFill>
-              </a:rPr>
-              <a:t> Warner Bros. Television</a:t>
-            </a:r>
-            <a:endParaRPr lang="en-US" sz="1400" dirty="0">
-              <a:solidFill>
-                <a:schemeClr val="tx1">
-                  <a:lumMod val="65000"/>
-                  <a:lumOff val="35000"/>
-                </a:schemeClr>
-              </a:solidFill>
-              <a:latin typeface="+mj-lt"/>
-            </a:endParaRPr>
-          </a:p>
-        </p:txBody>
-      </p:sp>
-      <p:pic>
-        <p:nvPicPr>
-          <p:cNvPr id="5" name="Picture 4">
-            <a:extLst>
-              <a:ext uri="{FF2B5EF4-FFF2-40B4-BE49-F238E27FC236}">
-                <a16:creationId xmlns:a16="http://schemas.microsoft.com/office/drawing/2014/main" id="{47C94F79-35DD-30CD-E442-1D0600DEDA68}"/>
-              </a:ext>
-              <a:ext uri="{C183D7F6-B498-43B3-948B-1728B52AA6E4}">
-                <adec:decorative xmlns:adec="http://schemas.microsoft.com/office/drawing/2017/decorative" val="1"/>
-              </a:ext>
-            </a:extLst>
-          </p:cNvPr>
-          <p:cNvPicPr>
-            <a:picLocks noChangeAspect="1"/>
-          </p:cNvPicPr>
-          <p:nvPr/>
-        </p:nvPicPr>
-        <p:blipFill>
-          <a:blip r:embed="rId4">
-            <a:extLst>
-              <a:ext uri="{28A0092B-C50C-407E-A947-70E740481C1C}">
-                <a14:useLocalDpi xmlns:a14="http://schemas.microsoft.com/office/drawing/2010/main" val="0"/>
-              </a:ext>
-            </a:extLst>
-          </a:blip>
-          <a:stretch>
-            <a:fillRect/>
-          </a:stretch>
-        </p:blipFill>
-        <p:spPr>
-          <a:xfrm>
-            <a:off x="11378037" y="6045200"/>
-            <a:ext cx="800100" cy="812800"/>
-          </a:xfrm>
-          <a:prstGeom prst="rect">
-            <a:avLst/>
-          </a:prstGeom>
-        </p:spPr>
-      </p:pic>
-    </p:spTree>
-    <p:extLst>
-      <p:ext uri="{BB962C8B-B14F-4D97-AF65-F5344CB8AC3E}">
-        <p14:creationId xmlns:p14="http://schemas.microsoft.com/office/powerpoint/2010/main" val="491246926"/>
-      </p:ext>
-    </p:extLst>
-  </p:cSld>
-  <p:clrMapOvr>
-    <a:masterClrMapping/>
-  </p:clrMapOvr>
-  <mc:AlternateContent xmlns:mc="http://schemas.openxmlformats.org/markup-compatibility/2006">
-    <mc:Choice xmlns:p14="http://schemas.microsoft.com/office/powerpoint/2010/main" Requires="p14">
-      <p:transition spd="med" p14:dur="700">
-        <p:fade/>
-      </p:transition>
-    </mc:Choice>
-    <mc:Fallback>
-      <p:transition spd="med">
-        <p:fade/>
-      </p:transition>
-    </mc:Fallback>
-  </mc:AlternateContent>
-</p:sld>
-</file>
-
-<file path=ppt/slides/slide15.xml><?xml version="1.0" encoding="utf-8"?>
-<p:sld xmlns:a="http://schemas.openxmlformats.org/drawingml/2006/main" xmlns:r="http://schemas.openxmlformats.org/officeDocument/2006/relationships" xmlns:p="http://schemas.openxmlformats.org/presentationml/2006/main">
-  <p:cSld>
-    <p:spTree>
-      <p:nvGrpSpPr>
-        <p:cNvPr id="1" name=""/>
-        <p:cNvGrpSpPr/>
-        <p:nvPr/>
-      </p:nvGrpSpPr>
-      <p:grpSpPr>
-        <a:xfrm>
-          <a:off x="0" y="0"/>
-          <a:ext cx="0" cy="0"/>
-          <a:chOff x="0" y="0"/>
-          <a:chExt cx="0" cy="0"/>
-        </a:xfrm>
-      </p:grpSpPr>
-      <p:sp>
-        <p:nvSpPr>
-          <p:cNvPr id="6" name="Title 5">
-            <a:extLst>
-              <a:ext uri="{FF2B5EF4-FFF2-40B4-BE49-F238E27FC236}">
-                <a16:creationId xmlns:a16="http://schemas.microsoft.com/office/drawing/2014/main" id="{C8BDB40A-C9C2-404A-9CE8-55413377F542}"/>
-              </a:ext>
-            </a:extLst>
-          </p:cNvPr>
-          <p:cNvSpPr>
-            <a:spLocks noGrp="1"/>
-          </p:cNvSpPr>
-          <p:nvPr>
-            <p:ph type="title"/>
-          </p:nvPr>
-        </p:nvSpPr>
-        <p:spPr>
-          <a:xfrm>
-            <a:off x="-1" y="550067"/>
-            <a:ext cx="12192001" cy="1325563"/>
-          </a:xfrm>
-        </p:spPr>
-        <p:txBody>
-          <a:bodyPr>
-            <a:normAutofit/>
-          </a:bodyPr>
-          <a:lstStyle/>
-          <a:p>
-            <a:pPr algn="ctr" rtl="0" eaLnBrk="1" latinLnBrk="0" hangingPunct="1"/>
-            <a:r>
-              <a:rPr lang="en-US" sz="4000" b="1" kern="1200" dirty="0">
-                <a:solidFill>
-                  <a:srgbClr val="3B3838"/>
-                </a:solidFill>
-                <a:effectLst/>
-                <a:latin typeface="Avenir Heavy" panose="02000503020000020003"/>
-                <a:ea typeface="+mn-ea"/>
-                <a:cs typeface="Courier New" panose="02070309020205020404" pitchFamily="49" charset="0"/>
-              </a:rPr>
-              <a:t>Specification</a:t>
-            </a:r>
-            <a:endParaRPr lang="en-US" sz="4000" dirty="0">
-              <a:effectLst/>
-            </a:endParaRPr>
-          </a:p>
-          <a:p>
-            <a:endParaRPr lang="en-US" sz="4000" dirty="0"/>
-          </a:p>
-        </p:txBody>
-      </p:sp>
-      <p:sp>
-        <p:nvSpPr>
-          <p:cNvPr id="2" name="TextBox 1">
-            <a:extLst>
-              <a:ext uri="{FF2B5EF4-FFF2-40B4-BE49-F238E27FC236}">
-                <a16:creationId xmlns:a16="http://schemas.microsoft.com/office/drawing/2014/main" id="{2C8698E5-8354-4A59-ABB7-0349000614A5}"/>
-              </a:ext>
-            </a:extLst>
-          </p:cNvPr>
-          <p:cNvSpPr txBox="1"/>
-          <p:nvPr/>
-        </p:nvSpPr>
-        <p:spPr>
-          <a:xfrm>
-            <a:off x="1812470" y="556972"/>
-            <a:ext cx="7995557" cy="1569660"/>
-          </a:xfrm>
-          <a:prstGeom prst="rect">
-            <a:avLst/>
-          </a:prstGeom>
-          <a:noFill/>
-        </p:spPr>
-        <p:txBody>
-          <a:bodyPr wrap="square" rtlCol="0">
-            <a:spAutoFit/>
-          </a:bodyPr>
-          <a:lstStyle/>
-          <a:p>
-            <a:pPr algn="ctr"/>
-            <a:endParaRPr lang="en-US" sz="2400" b="0" i="0" dirty="0">
-              <a:solidFill>
-                <a:srgbClr val="000000"/>
-              </a:solidFill>
-              <a:effectLst/>
-              <a:latin typeface="Consolas" panose="020B0609020204030204" pitchFamily="49" charset="0"/>
-              <a:cs typeface="Courier New" panose="02070309020205020404" pitchFamily="49" charset="0"/>
-            </a:endParaRPr>
-          </a:p>
-          <a:p>
-            <a:pPr algn="ctr"/>
-            <a:endParaRPr lang="en-US" sz="2400" b="0" i="0" dirty="0">
-              <a:solidFill>
-                <a:srgbClr val="000000"/>
-              </a:solidFill>
-              <a:effectLst/>
-              <a:latin typeface="Consolas" panose="020B0609020204030204" pitchFamily="49" charset="0"/>
-              <a:cs typeface="Courier New" panose="02070309020205020404" pitchFamily="49" charset="0"/>
-            </a:endParaRPr>
-          </a:p>
-          <a:p>
-            <a:pPr algn="ctr"/>
-            <a:r>
-              <a:rPr lang="en-US" sz="2400" dirty="0">
-                <a:solidFill>
-                  <a:srgbClr val="000000"/>
-                </a:solidFill>
-                <a:effectLst/>
-                <a:latin typeface="Avenir" panose="02000503020000020003" pitchFamily="2" charset="0"/>
-                <a:cs typeface="Courier New" panose="02070309020205020404" pitchFamily="49" charset="0"/>
-              </a:rPr>
-              <a:t>The </a:t>
-            </a:r>
-            <a:r>
-              <a:rPr lang="en-US" sz="2400" dirty="0">
-                <a:solidFill>
-                  <a:srgbClr val="5A5AA8"/>
-                </a:solidFill>
-                <a:effectLst/>
-                <a:latin typeface="Consolas" panose="020B0609020204030204" pitchFamily="49" charset="0"/>
-                <a:cs typeface="Consolas" panose="020B0609020204030204" pitchFamily="49" charset="0"/>
-              </a:rPr>
-              <a:t>multiply()</a:t>
-            </a:r>
-            <a:r>
-              <a:rPr lang="en-US" sz="2400" dirty="0">
-                <a:solidFill>
-                  <a:srgbClr val="5A5AA8"/>
-                </a:solidFill>
-                <a:effectLst/>
-                <a:latin typeface="Avenir" panose="02000503020000020003" pitchFamily="2" charset="0"/>
-                <a:cs typeface="Courier New" panose="02070309020205020404" pitchFamily="49" charset="0"/>
-              </a:rPr>
-              <a:t> </a:t>
-            </a:r>
-            <a:r>
-              <a:rPr lang="en-US" sz="2400" dirty="0">
-                <a:solidFill>
-                  <a:srgbClr val="000000"/>
-                </a:solidFill>
-                <a:effectLst/>
-                <a:latin typeface="Avenir" panose="02000503020000020003" pitchFamily="2" charset="0"/>
-                <a:cs typeface="Courier New" panose="02070309020205020404" pitchFamily="49" charset="0"/>
-              </a:rPr>
-              <a:t>function takes two arguments </a:t>
-            </a:r>
-          </a:p>
-          <a:p>
-            <a:pPr algn="ctr"/>
-            <a:r>
-              <a:rPr lang="en-US" sz="2400" dirty="0">
-                <a:solidFill>
-                  <a:srgbClr val="000000"/>
-                </a:solidFill>
-                <a:effectLst/>
-                <a:latin typeface="Consolas" panose="020B0609020204030204" pitchFamily="49" charset="0"/>
-                <a:cs typeface="Consolas" panose="020B0609020204030204" pitchFamily="49" charset="0"/>
-              </a:rPr>
-              <a:t>(arg_1, arg_2)</a:t>
-            </a:r>
-            <a:r>
-              <a:rPr lang="en-US" sz="2400" dirty="0">
-                <a:solidFill>
-                  <a:srgbClr val="000000"/>
-                </a:solidFill>
-                <a:effectLst/>
-                <a:latin typeface="Avenir" panose="02000503020000020003" pitchFamily="2" charset="0"/>
-                <a:cs typeface="Courier New" panose="02070309020205020404" pitchFamily="49" charset="0"/>
-              </a:rPr>
-              <a:t>, multiplies them, and returns the result.</a:t>
-            </a:r>
-          </a:p>
-        </p:txBody>
-      </p:sp>
-      <p:sp>
-        <p:nvSpPr>
-          <p:cNvPr id="3" name="TextBox 2">
-            <a:extLst>
-              <a:ext uri="{FF2B5EF4-FFF2-40B4-BE49-F238E27FC236}">
-                <a16:creationId xmlns:a16="http://schemas.microsoft.com/office/drawing/2014/main" id="{47BAE984-51CD-B104-D209-59934E44EA8A}"/>
-              </a:ext>
-            </a:extLst>
-          </p:cNvPr>
-          <p:cNvSpPr txBox="1"/>
-          <p:nvPr/>
-        </p:nvSpPr>
-        <p:spPr>
-          <a:xfrm>
-            <a:off x="470006" y="2619075"/>
-            <a:ext cx="11560630" cy="1569660"/>
-          </a:xfrm>
-          <a:prstGeom prst="rect">
-            <a:avLst/>
-          </a:prstGeom>
-          <a:solidFill>
-            <a:schemeClr val="bg1">
-              <a:lumMod val="95000"/>
-            </a:schemeClr>
-          </a:solidFill>
-          <a:ln>
-            <a:solidFill>
-              <a:schemeClr val="bg1">
-                <a:lumMod val="85000"/>
-              </a:schemeClr>
-            </a:solidFill>
-          </a:ln>
-        </p:spPr>
-        <p:txBody>
-          <a:bodyPr wrap="square">
-            <a:spAutoFit/>
-          </a:bodyPr>
-          <a:lstStyle/>
-          <a:p>
-            <a:r>
-              <a:rPr lang="en-US" sz="1600">
-                <a:solidFill>
-                  <a:srgbClr val="007C00"/>
-                </a:solidFill>
-                <a:latin typeface="Consolas" panose="020B0609020204030204" pitchFamily="49" charset="0"/>
-              </a:rPr>
-              <a:t>def</a:t>
-            </a:r>
-            <a:r>
-              <a:rPr lang="en-US" sz="1600">
-                <a:solidFill>
-                  <a:srgbClr val="FF00FF"/>
-                </a:solidFill>
-                <a:latin typeface="Consolas" panose="020B0609020204030204" pitchFamily="49" charset="0"/>
-              </a:rPr>
-              <a:t> </a:t>
-            </a:r>
-            <a:r>
-              <a:rPr lang="en-US" sz="1600">
-                <a:solidFill>
-                  <a:srgbClr val="482DFF"/>
-                </a:solidFill>
-                <a:latin typeface="Consolas" panose="020B0609020204030204" pitchFamily="49" charset="0"/>
-              </a:rPr>
-              <a:t>multiply</a:t>
-            </a:r>
-            <a:r>
-              <a:rPr lang="en-US" sz="1600">
-                <a:latin typeface="Consolas" panose="020B0609020204030204" pitchFamily="49" charset="0"/>
-              </a:rPr>
-              <a:t>(arg_1, arg_2):</a:t>
-            </a:r>
-          </a:p>
-          <a:p>
-            <a:r>
-              <a:rPr lang="en-US" sz="1600">
-                <a:latin typeface="Consolas" panose="020B0609020204030204" pitchFamily="49" charset="0"/>
-              </a:rPr>
-              <a:t>    </a:t>
-            </a:r>
-            <a:r>
-              <a:rPr lang="en-US" sz="1600">
-                <a:solidFill>
-                  <a:srgbClr val="BA2020"/>
-                </a:solidFill>
-                <a:latin typeface="Avenir Medium" panose="02000503020000020003" pitchFamily="2" charset="0"/>
-              </a:rPr>
-              <a:t>’ ’ ’</a:t>
-            </a:r>
-            <a:r>
-              <a:rPr lang="en-US" sz="1600" i="1">
-                <a:solidFill>
-                  <a:srgbClr val="BA2020"/>
-                </a:solidFill>
-                <a:latin typeface="Consolas" panose="020B0609020204030204" pitchFamily="49" charset="0"/>
-                <a:cs typeface="Consolas" panose="020B0609020204030204" pitchFamily="49" charset="0"/>
-              </a:rPr>
-              <a:t>This function takes two arguments (arg_1, arg2), multiplies them, and returns the result.</a:t>
-            </a:r>
-          </a:p>
-          <a:p>
-            <a:r>
-              <a:rPr lang="en-US" sz="1600">
-                <a:solidFill>
-                  <a:srgbClr val="BA2020"/>
-                </a:solidFill>
-                <a:latin typeface="Avenir Medium" panose="02000503020000020003" pitchFamily="2" charset="0"/>
-              </a:rPr>
-              <a:t>        ’ ‘ ’</a:t>
-            </a:r>
-            <a:endParaRPr lang="en-US" sz="1600">
-              <a:latin typeface="Consolas" panose="020B0609020204030204" pitchFamily="49" charset="0"/>
-            </a:endParaRPr>
-          </a:p>
-          <a:p>
-            <a:r>
-              <a:rPr lang="en-US" sz="1600">
-                <a:solidFill>
-                  <a:srgbClr val="007C00"/>
-                </a:solidFill>
-                <a:latin typeface="Consolas" panose="020B0609020204030204" pitchFamily="49" charset="0"/>
-              </a:rPr>
-              <a:t>    return</a:t>
-            </a:r>
-            <a:r>
-              <a:rPr lang="en-US" sz="1600">
-                <a:latin typeface="Consolas" panose="020B0609020204030204" pitchFamily="49" charset="0"/>
-              </a:rPr>
-              <a:t>(arg_1 * arg_2)</a:t>
-            </a:r>
-          </a:p>
-          <a:p>
-            <a:endParaRPr lang="en-US" sz="1600">
-              <a:solidFill>
-                <a:srgbClr val="FFC000"/>
-              </a:solidFill>
-              <a:latin typeface="Consolas" panose="020B0609020204030204" pitchFamily="49" charset="0"/>
-            </a:endParaRPr>
-          </a:p>
-          <a:p>
-            <a:r>
-              <a:rPr lang="en-US" sz="1600" i="1">
-                <a:solidFill>
-                  <a:srgbClr val="4D6A6A"/>
-                </a:solidFill>
-                <a:latin typeface="Consolas" panose="020B0609020204030204" pitchFamily="49" charset="0"/>
-                <a:cs typeface="Consolas" panose="020B0609020204030204" pitchFamily="49" charset="0"/>
-              </a:rPr>
-              <a:t># end multiply()</a:t>
-            </a:r>
-          </a:p>
-        </p:txBody>
-      </p:sp>
-      <p:sp>
-        <p:nvSpPr>
-          <p:cNvPr id="5" name="TextBox 4">
-            <a:extLst>
-              <a:ext uri="{FF2B5EF4-FFF2-40B4-BE49-F238E27FC236}">
-                <a16:creationId xmlns:a16="http://schemas.microsoft.com/office/drawing/2014/main" id="{6DCE841E-5D74-D59C-F3B8-2DC5C1E8BAB4}"/>
-              </a:ext>
-            </a:extLst>
-          </p:cNvPr>
-          <p:cNvSpPr txBox="1"/>
-          <p:nvPr/>
-        </p:nvSpPr>
-        <p:spPr>
-          <a:xfrm>
-            <a:off x="470006" y="4511901"/>
-            <a:ext cx="11560630" cy="338554"/>
-          </a:xfrm>
-          <a:prstGeom prst="rect">
-            <a:avLst/>
-          </a:prstGeom>
-          <a:solidFill>
-            <a:schemeClr val="bg1">
-              <a:lumMod val="95000"/>
-            </a:schemeClr>
-          </a:solidFill>
-          <a:ln>
-            <a:solidFill>
-              <a:schemeClr val="bg1">
-                <a:lumMod val="85000"/>
-              </a:schemeClr>
-            </a:solidFill>
-          </a:ln>
-        </p:spPr>
-        <p:txBody>
-          <a:bodyPr wrap="square">
-            <a:spAutoFit/>
-          </a:bodyPr>
-          <a:lstStyle/>
-          <a:p>
-            <a:r>
-              <a:rPr lang="en-US" sz="1600">
-                <a:latin typeface="Consolas" panose="020B0609020204030204" pitchFamily="49" charset="0"/>
-                <a:cs typeface="Consolas" panose="020B0609020204030204" pitchFamily="49" charset="0"/>
-              </a:rPr>
-              <a:t>help(multiply)</a:t>
-            </a:r>
-          </a:p>
-        </p:txBody>
-      </p:sp>
-      <p:pic>
-        <p:nvPicPr>
-          <p:cNvPr id="4" name="Picture 3" descr="Code showing how to read the help info on how to use the multiple() function.">
-            <a:extLst>
-              <a:ext uri="{FF2B5EF4-FFF2-40B4-BE49-F238E27FC236}">
-                <a16:creationId xmlns:a16="http://schemas.microsoft.com/office/drawing/2014/main" id="{A8933D68-98AC-47F5-9FFC-512B6F2F59EC}"/>
-              </a:ext>
-            </a:extLst>
-          </p:cNvPr>
-          <p:cNvPicPr>
-            <a:picLocks noChangeAspect="1"/>
-          </p:cNvPicPr>
-          <p:nvPr/>
-        </p:nvPicPr>
-        <p:blipFill>
-          <a:blip r:embed="rId4"/>
-          <a:stretch>
-            <a:fillRect/>
-          </a:stretch>
-        </p:blipFill>
-        <p:spPr>
-          <a:xfrm>
-            <a:off x="470004" y="5020519"/>
-            <a:ext cx="11560631" cy="1280509"/>
-          </a:xfrm>
-          <a:prstGeom prst="rect">
-            <a:avLst/>
-          </a:prstGeom>
-        </p:spPr>
-      </p:pic>
-      <p:pic>
-        <p:nvPicPr>
-          <p:cNvPr id="7" name="Picture 6">
-            <a:extLst>
-              <a:ext uri="{FF2B5EF4-FFF2-40B4-BE49-F238E27FC236}">
-                <a16:creationId xmlns:a16="http://schemas.microsoft.com/office/drawing/2014/main" id="{49C8AD2F-E589-606E-1D72-D210295BB040}"/>
-              </a:ext>
-              <a:ext uri="{C183D7F6-B498-43B3-948B-1728B52AA6E4}">
-                <adec:decorative xmlns:adec="http://schemas.microsoft.com/office/drawing/2017/decorative" val="1"/>
-              </a:ext>
-            </a:extLst>
-          </p:cNvPr>
-          <p:cNvPicPr>
-            <a:picLocks noChangeAspect="1"/>
-          </p:cNvPicPr>
-          <p:nvPr/>
-        </p:nvPicPr>
-        <p:blipFill>
-          <a:blip r:embed="rId5">
-            <a:extLst>
-              <a:ext uri="{28A0092B-C50C-407E-A947-70E740481C1C}">
-                <a14:useLocalDpi xmlns:a14="http://schemas.microsoft.com/office/drawing/2010/main" val="0"/>
-              </a:ext>
-            </a:extLst>
-          </a:blip>
-          <a:stretch>
-            <a:fillRect/>
-          </a:stretch>
-        </p:blipFill>
-        <p:spPr>
-          <a:xfrm>
-            <a:off x="11378037" y="6045200"/>
-            <a:ext cx="800100" cy="812800"/>
-          </a:xfrm>
-          <a:prstGeom prst="rect">
-            <a:avLst/>
-          </a:prstGeom>
-        </p:spPr>
-      </p:pic>
-    </p:spTree>
-    <p:custDataLst>
-      <p:tags r:id="rId1"/>
-    </p:custDataLst>
-    <p:extLst>
-      <p:ext uri="{BB962C8B-B14F-4D97-AF65-F5344CB8AC3E}">
-        <p14:creationId xmlns:p14="http://schemas.microsoft.com/office/powerpoint/2010/main" val="693668097"/>
-      </p:ext>
-    </p:extLst>
-  </p:cSld>
-  <p:clrMapOvr>
-    <a:masterClrMapping/>
-  </p:clrMapOvr>
-  <mc:AlternateContent xmlns:mc="http://schemas.openxmlformats.org/markup-compatibility/2006">
-    <mc:Choice xmlns:p14="http://schemas.microsoft.com/office/powerpoint/2010/main" Requires="p14">
-      <p:transition spd="med" p14:dur="700">
-        <p:fade/>
-      </p:transition>
-    </mc:Choice>
-    <mc:Fallback>
-      <p:transition spd="med">
-        <p:fade/>
-      </p:transition>
-    </mc:Fallback>
-  </mc:AlternateContent>
-  <p:timing>
-    <p:tnLst>
-      <p:par>
-        <p:cTn id="1" dur="indefinite" restart="never" nodeType="tmRoot">
-          <p:childTnLst>
-            <p:seq concurrent="1" nextAc="seek">
-              <p:cTn id="2" dur="indefinite" nodeType="mainSeq">
-                <p:childTnLst>
-                  <p:par>
-                    <p:cTn id="3" fill="hold">
-                      <p:stCondLst>
-                        <p:cond delay="indefinite"/>
-                      </p:stCondLst>
-                      <p:childTnLst>
-                        <p:par>
-                          <p:cTn id="4" fill="hold">
-                            <p:stCondLst>
-                              <p:cond delay="0"/>
-                            </p:stCondLst>
-                            <p:childTnLst>
-                              <p:par>
-                                <p:cTn id="5" presetID="10" presetClass="entr" presetSubtype="0" fill="hold" grpId="0" nodeType="clickEffect">
-                                  <p:stCondLst>
-                                    <p:cond delay="0"/>
-                                  </p:stCondLst>
-                                  <p:childTnLst>
-                                    <p:set>
-                                      <p:cBhvr>
-                                        <p:cTn id="6" dur="1" fill="hold">
-                                          <p:stCondLst>
-                                            <p:cond delay="0"/>
-                                          </p:stCondLst>
-                                        </p:cTn>
-                                        <p:tgtEl>
-                                          <p:spTgt spid="2"/>
-                                        </p:tgtEl>
-                                        <p:attrNameLst>
-                                          <p:attrName>style.visibility</p:attrName>
-                                        </p:attrNameLst>
-                                      </p:cBhvr>
-                                      <p:to>
-                                        <p:strVal val="visible"/>
-                                      </p:to>
-                                    </p:set>
-                                    <p:animEffect transition="in" filter="fade">
-                                      <p:cBhvr>
-                                        <p:cTn id="7" dur="500"/>
-                                        <p:tgtEl>
-                                          <p:spTgt spid="2"/>
-                                        </p:tgtEl>
-                                      </p:cBhvr>
-                                    </p:animEffect>
-                                  </p:childTnLst>
-                                </p:cTn>
-                              </p:par>
-                            </p:childTnLst>
-                          </p:cTn>
-                        </p:par>
-                      </p:childTnLst>
-                    </p:cTn>
-                  </p:par>
-                  <p:par>
-                    <p:cTn id="8" fill="hold">
-                      <p:stCondLst>
-                        <p:cond delay="indefinite"/>
-                      </p:stCondLst>
-                      <p:childTnLst>
-                        <p:par>
-                          <p:cTn id="9" fill="hold">
-                            <p:stCondLst>
-                              <p:cond delay="0"/>
-                            </p:stCondLst>
-                            <p:childTnLst>
-                              <p:par>
-                                <p:cTn id="10" presetID="1" presetClass="entr" presetSubtype="0" fill="hold" grpId="0" nodeType="clickEffect">
-                                  <p:stCondLst>
-                                    <p:cond delay="0"/>
-                                  </p:stCondLst>
-                                  <p:childTnLst>
-                                    <p:set>
-                                      <p:cBhvr>
-                                        <p:cTn id="11" dur="1" fill="hold">
-                                          <p:stCondLst>
-                                            <p:cond delay="0"/>
-                                          </p:stCondLst>
-                                        </p:cTn>
-                                        <p:tgtEl>
-                                          <p:spTgt spid="3"/>
-                                        </p:tgtEl>
-                                        <p:attrNameLst>
-                                          <p:attrName>style.visibility</p:attrName>
-                                        </p:attrNameLst>
-                                      </p:cBhvr>
-                                      <p:to>
-                                        <p:strVal val="visible"/>
-                                      </p:to>
-                                    </p:set>
-                                  </p:childTnLst>
-                                </p:cTn>
-                              </p:par>
-                            </p:childTnLst>
-                          </p:cTn>
-                        </p:par>
-                      </p:childTnLst>
-                    </p:cTn>
-                  </p:par>
-                  <p:par>
-                    <p:cTn id="12" fill="hold">
-                      <p:stCondLst>
-                        <p:cond delay="indefinite"/>
-                      </p:stCondLst>
-                      <p:childTnLst>
-                        <p:par>
-                          <p:cTn id="13" fill="hold">
-                            <p:stCondLst>
-                              <p:cond delay="0"/>
-                            </p:stCondLst>
-                            <p:childTnLst>
-                              <p:par>
-                                <p:cTn id="14" presetID="1" presetClass="entr" presetSubtype="0" fill="hold" grpId="0" nodeType="clickEffect">
-                                  <p:stCondLst>
-                                    <p:cond delay="0"/>
-                                  </p:stCondLst>
-                                  <p:childTnLst>
-                                    <p:set>
-                                      <p:cBhvr>
-                                        <p:cTn id="15" dur="1" fill="hold">
-                                          <p:stCondLst>
-                                            <p:cond delay="0"/>
-                                          </p:stCondLst>
-                                        </p:cTn>
-                                        <p:tgtEl>
-                                          <p:spTgt spid="5"/>
-                                        </p:tgtEl>
-                                        <p:attrNameLst>
-                                          <p:attrName>style.visibility</p:attrName>
-                                        </p:attrNameLst>
-                                      </p:cBhvr>
-                                      <p:to>
-                                        <p:strVal val="visible"/>
-                                      </p:to>
-                                    </p:set>
-                                  </p:childTnLst>
-                                </p:cTn>
-                              </p:par>
-                              <p:par>
-                                <p:cTn id="16" presetID="10" presetClass="entr" presetSubtype="0" fill="hold" nodeType="withEffect">
-                                  <p:stCondLst>
-                                    <p:cond delay="0"/>
-                                  </p:stCondLst>
-                                  <p:childTnLst>
-                                    <p:set>
-                                      <p:cBhvr>
-                                        <p:cTn id="17" dur="1" fill="hold">
-                                          <p:stCondLst>
-                                            <p:cond delay="0"/>
-                                          </p:stCondLst>
-                                        </p:cTn>
-                                        <p:tgtEl>
-                                          <p:spTgt spid="4"/>
-                                        </p:tgtEl>
-                                        <p:attrNameLst>
-                                          <p:attrName>style.visibility</p:attrName>
-                                        </p:attrNameLst>
-                                      </p:cBhvr>
-                                      <p:to>
-                                        <p:strVal val="visible"/>
-                                      </p:to>
-                                    </p:set>
-                                    <p:animEffect transition="in" filter="fade">
-                                      <p:cBhvr>
-                                        <p:cTn id="18" dur="500"/>
-                                        <p:tgtEl>
-                                          <p:spTgt spid="4"/>
-                                        </p:tgtEl>
-                                      </p:cBhvr>
-                                    </p:animEffect>
-                                  </p:childTnLst>
-                                </p:cTn>
-                              </p:par>
-                            </p:childTnLst>
-                          </p:cTn>
-                        </p:par>
-                      </p:childTnLst>
-                    </p:cTn>
-                  </p:par>
-                </p:childTnLst>
-              </p:cTn>
-              <p:prevCondLst>
-                <p:cond evt="onPrev" delay="0">
-                  <p:tgtEl>
-                    <p:sldTgt/>
-                  </p:tgtEl>
-                </p:cond>
-              </p:prevCondLst>
-              <p:nextCondLst>
-                <p:cond evt="onNext" delay="0">
-                  <p:tgtEl>
-                    <p:sldTgt/>
-                  </p:tgtEl>
-                </p:cond>
-              </p:nextCondLst>
-            </p:seq>
-          </p:childTnLst>
-        </p:cTn>
-      </p:par>
-    </p:tnLst>
-    <p:bldLst>
-      <p:bldP spid="2" grpId="0"/>
-      <p:bldP spid="3" grpId="0" animBg="1"/>
-      <p:bldP spid="5" grpId="0" animBg="1"/>
-    </p:bldLst>
-  </p:timing>
-</p:sld>
-</file>
-
-<file path=ppt/slides/slide16.xml><?xml version="1.0" encoding="utf-8"?>
-<p:sld xmlns:a="http://schemas.openxmlformats.org/drawingml/2006/main" xmlns:r="http://schemas.openxmlformats.org/officeDocument/2006/relationships" xmlns:p="http://schemas.openxmlformats.org/presentationml/2006/main">
-  <p:cSld>
-    <p:spTree>
-      <p:nvGrpSpPr>
-        <p:cNvPr id="1" name=""/>
-        <p:cNvGrpSpPr/>
-        <p:nvPr/>
-      </p:nvGrpSpPr>
-      <p:grpSpPr>
-        <a:xfrm>
-          <a:off x="0" y="0"/>
-          <a:ext cx="0" cy="0"/>
-          <a:chOff x="0" y="0"/>
-          <a:chExt cx="0" cy="0"/>
-        </a:xfrm>
-      </p:grpSpPr>
-      <p:sp>
-        <p:nvSpPr>
-          <p:cNvPr id="2" name="Title 1">
-            <a:extLst>
-              <a:ext uri="{FF2B5EF4-FFF2-40B4-BE49-F238E27FC236}">
-                <a16:creationId xmlns:a16="http://schemas.microsoft.com/office/drawing/2014/main" id="{AE4AD477-2F27-43DA-A448-3AE11C8CB1B0}"/>
-              </a:ext>
-            </a:extLst>
-          </p:cNvPr>
-          <p:cNvSpPr>
-            <a:spLocks noGrp="1"/>
-          </p:cNvSpPr>
-          <p:nvPr>
-            <p:ph type="title"/>
-          </p:nvPr>
-        </p:nvSpPr>
-        <p:spPr>
-          <a:xfrm>
-            <a:off x="0" y="36949"/>
-            <a:ext cx="12192000" cy="1325563"/>
-          </a:xfrm>
-        </p:spPr>
-        <p:txBody>
-          <a:bodyPr anchor="ctr">
-            <a:normAutofit/>
-          </a:bodyPr>
-          <a:lstStyle/>
-          <a:p>
-            <a:pPr algn="ctr"/>
-            <a:r>
-              <a:rPr lang="en-US" sz="4000" b="1" dirty="0">
-                <a:solidFill>
-                  <a:schemeClr val="tx1">
-                    <a:lumMod val="75000"/>
-                    <a:lumOff val="25000"/>
-                  </a:schemeClr>
-                </a:solidFill>
-                <a:latin typeface="Avenir Heavy"/>
-              </a:rPr>
-              <a:t>Pseudocode</a:t>
-            </a:r>
-          </a:p>
-        </p:txBody>
-      </p:sp>
-      <p:sp>
-        <p:nvSpPr>
-          <p:cNvPr id="22" name="TextBox 21">
-            <a:extLst>
-              <a:ext uri="{FF2B5EF4-FFF2-40B4-BE49-F238E27FC236}">
-                <a16:creationId xmlns:a16="http://schemas.microsoft.com/office/drawing/2014/main" id="{A3DABBDF-0C75-CDF2-7DC7-4759E93B969D}"/>
-              </a:ext>
-            </a:extLst>
-          </p:cNvPr>
-          <p:cNvSpPr txBox="1"/>
-          <p:nvPr/>
-        </p:nvSpPr>
-        <p:spPr>
-          <a:xfrm>
-            <a:off x="3179619" y="1932708"/>
-            <a:ext cx="7190509" cy="3785652"/>
-          </a:xfrm>
-          <a:prstGeom prst="rect">
-            <a:avLst/>
-          </a:prstGeom>
-          <a:noFill/>
-        </p:spPr>
-        <p:txBody>
-          <a:bodyPr wrap="square" rtlCol="0">
-            <a:spAutoFit/>
-          </a:bodyPr>
-          <a:lstStyle/>
-          <a:p>
-            <a:r>
-              <a:rPr lang="en-US" sz="2400" dirty="0">
-                <a:latin typeface="Courier New" panose="02070309020205020404" pitchFamily="49" charset="0"/>
-                <a:cs typeface="Courier New" panose="02070309020205020404" pitchFamily="49" charset="0"/>
-              </a:rPr>
-              <a:t>Organize everything together;</a:t>
-            </a:r>
-          </a:p>
-          <a:p>
-            <a:r>
-              <a:rPr lang="en-US" sz="2400" dirty="0">
-                <a:latin typeface="Courier New" panose="02070309020205020404" pitchFamily="49" charset="0"/>
-                <a:cs typeface="Courier New" panose="02070309020205020404" pitchFamily="49" charset="0"/>
-              </a:rPr>
-              <a:t>Plug in kettle;</a:t>
-            </a:r>
-          </a:p>
-          <a:p>
-            <a:r>
-              <a:rPr lang="en-US" sz="2400" dirty="0">
-                <a:latin typeface="Courier New" panose="02070309020205020404" pitchFamily="49" charset="0"/>
-                <a:cs typeface="Courier New" panose="02070309020205020404" pitchFamily="49" charset="0"/>
-              </a:rPr>
-              <a:t>Put teabag in cup;</a:t>
-            </a:r>
-          </a:p>
-          <a:p>
-            <a:r>
-              <a:rPr lang="en-US" sz="2400" dirty="0">
-                <a:latin typeface="Courier New" panose="02070309020205020404" pitchFamily="49" charset="0"/>
-                <a:cs typeface="Courier New" panose="02070309020205020404" pitchFamily="49" charset="0"/>
-              </a:rPr>
-              <a:t>Put water into kettle;</a:t>
-            </a:r>
-          </a:p>
-          <a:p>
-            <a:r>
-              <a:rPr lang="en-US" sz="2400" dirty="0">
-                <a:latin typeface="Courier New" panose="02070309020205020404" pitchFamily="49" charset="0"/>
-                <a:cs typeface="Courier New" panose="02070309020205020404" pitchFamily="49" charset="0"/>
-              </a:rPr>
-              <a:t>Wait for kettle to boil;</a:t>
-            </a:r>
-          </a:p>
-          <a:p>
-            <a:r>
-              <a:rPr lang="en-US" sz="2400" dirty="0">
-                <a:latin typeface="Courier New" panose="02070309020205020404" pitchFamily="49" charset="0"/>
-                <a:cs typeface="Courier New" panose="02070309020205020404" pitchFamily="49" charset="0"/>
-              </a:rPr>
-              <a:t>Add water to cup;</a:t>
-            </a:r>
-          </a:p>
-          <a:p>
-            <a:r>
-              <a:rPr lang="en-US" sz="2400" dirty="0">
-                <a:latin typeface="Courier New" panose="02070309020205020404" pitchFamily="49" charset="0"/>
-                <a:cs typeface="Courier New" panose="02070309020205020404" pitchFamily="49" charset="0"/>
-              </a:rPr>
-              <a:t>Remove teabag with spoon/fork;</a:t>
-            </a:r>
-          </a:p>
-          <a:p>
-            <a:r>
-              <a:rPr lang="en-US" sz="2400" dirty="0">
-                <a:latin typeface="Courier New" panose="02070309020205020404" pitchFamily="49" charset="0"/>
-                <a:cs typeface="Courier New" panose="02070309020205020404" pitchFamily="49" charset="0"/>
-              </a:rPr>
-              <a:t>Add milk and/or sugar;</a:t>
-            </a:r>
-          </a:p>
-          <a:p>
-            <a:r>
-              <a:rPr lang="en-US" sz="2400" dirty="0">
-                <a:latin typeface="Courier New" panose="02070309020205020404" pitchFamily="49" charset="0"/>
-                <a:cs typeface="Courier New" panose="02070309020205020404" pitchFamily="49" charset="0"/>
-              </a:rPr>
-              <a:t>Serve;</a:t>
-            </a:r>
-          </a:p>
-          <a:p>
-            <a:endParaRPr lang="en-US" sz="2400" dirty="0">
-              <a:latin typeface="Courier New" panose="02070309020205020404" pitchFamily="49" charset="0"/>
-              <a:cs typeface="Courier New" panose="02070309020205020404" pitchFamily="49" charset="0"/>
-            </a:endParaRPr>
-          </a:p>
-        </p:txBody>
-      </p:sp>
-      <p:pic>
-        <p:nvPicPr>
-          <p:cNvPr id="43" name="Picture 42">
-            <a:extLst>
-              <a:ext uri="{FF2B5EF4-FFF2-40B4-BE49-F238E27FC236}">
-                <a16:creationId xmlns:a16="http://schemas.microsoft.com/office/drawing/2014/main" id="{D9C58A75-4BA2-CB2B-F434-A33E9FDBF2E7}"/>
-              </a:ext>
-              <a:ext uri="{C183D7F6-B498-43B3-948B-1728B52AA6E4}">
-                <adec:decorative xmlns:adec="http://schemas.microsoft.com/office/drawing/2017/decorative" val="1"/>
-              </a:ext>
-            </a:extLst>
-          </p:cNvPr>
-          <p:cNvPicPr>
-            <a:picLocks noChangeAspect="1"/>
-          </p:cNvPicPr>
-          <p:nvPr/>
-        </p:nvPicPr>
-        <p:blipFill>
-          <a:blip r:embed="rId4">
-            <a:extLst>
-              <a:ext uri="{28A0092B-C50C-407E-A947-70E740481C1C}">
-                <a14:useLocalDpi xmlns:a14="http://schemas.microsoft.com/office/drawing/2010/main" val="0"/>
-              </a:ext>
-            </a:extLst>
-          </a:blip>
-          <a:stretch>
-            <a:fillRect/>
-          </a:stretch>
-        </p:blipFill>
-        <p:spPr>
-          <a:xfrm>
-            <a:off x="11378037" y="6045200"/>
-            <a:ext cx="800100" cy="812800"/>
-          </a:xfrm>
-          <a:prstGeom prst="rect">
-            <a:avLst/>
-          </a:prstGeom>
-        </p:spPr>
-      </p:pic>
-      <p:sp>
-        <p:nvSpPr>
-          <p:cNvPr id="8" name="TextBox 7">
-            <a:extLst>
-              <a:ext uri="{FF2B5EF4-FFF2-40B4-BE49-F238E27FC236}">
-                <a16:creationId xmlns:a16="http://schemas.microsoft.com/office/drawing/2014/main" id="{9DA7CDEA-0C1F-BD00-DFA2-2F34D8754F16}"/>
-              </a:ext>
-            </a:extLst>
-          </p:cNvPr>
-          <p:cNvSpPr txBox="1"/>
-          <p:nvPr/>
-        </p:nvSpPr>
-        <p:spPr>
-          <a:xfrm>
-            <a:off x="13863" y="6550224"/>
-            <a:ext cx="11364174" cy="307777"/>
-          </a:xfrm>
-          <a:prstGeom prst="rect">
-            <a:avLst/>
-          </a:prstGeom>
-          <a:solidFill>
-            <a:schemeClr val="bg1"/>
-          </a:solidFill>
-        </p:spPr>
-        <p:txBody>
-          <a:bodyPr wrap="square" rtlCol="0">
-            <a:spAutoFit/>
-          </a:bodyPr>
-          <a:lstStyle/>
-          <a:p>
-            <a:pPr>
-              <a:defRPr/>
-            </a:pPr>
-            <a:r>
-              <a:rPr lang="en-US" sz="1400" dirty="0">
-                <a:solidFill>
-                  <a:schemeClr val="tx1">
-                    <a:lumMod val="65000"/>
-                    <a:lumOff val="35000"/>
-                  </a:schemeClr>
-                </a:solidFill>
-              </a:rPr>
-              <a:t>Source:  https://www.devopsschool.com/blog/complete-tutorial-for-pseudocode/  </a:t>
-            </a:r>
-            <a:endParaRPr lang="en-US" sz="1400" dirty="0">
-              <a:solidFill>
-                <a:schemeClr val="tx1">
-                  <a:lumMod val="65000"/>
-                  <a:lumOff val="35000"/>
-                </a:schemeClr>
-              </a:solidFill>
-              <a:latin typeface="+mj-lt"/>
-            </a:endParaRPr>
-          </a:p>
-        </p:txBody>
-      </p:sp>
-    </p:spTree>
-    <p:custDataLst>
-      <p:tags r:id="rId1"/>
-    </p:custDataLst>
-    <p:extLst>
-      <p:ext uri="{BB962C8B-B14F-4D97-AF65-F5344CB8AC3E}">
-        <p14:creationId xmlns:p14="http://schemas.microsoft.com/office/powerpoint/2010/main" val="2633006781"/>
-      </p:ext>
-    </p:extLst>
-  </p:cSld>
-  <p:clrMapOvr>
-    <a:masterClrMapping/>
-  </p:clrMapOvr>
-  <p:timing>
-    <p:tnLst>
-      <p:par>
-        <p:cTn id="1" dur="indefinite" restart="never" nodeType="tmRoot">
-          <p:childTnLst>
-            <p:seq concurrent="1" nextAc="seek">
-              <p:cTn id="2" dur="indefinite" nodeType="mainSeq">
-                <p:childTnLst>
-                  <p:par>
-                    <p:cTn id="3" fill="hold">
-                      <p:stCondLst>
-                        <p:cond delay="indefinite"/>
-                      </p:stCondLst>
-                      <p:childTnLst>
-                        <p:par>
-                          <p:cTn id="4" fill="hold">
-                            <p:stCondLst>
-                              <p:cond delay="0"/>
-                            </p:stCondLst>
-                            <p:childTnLst>
-                              <p:par>
-                                <p:cTn id="5" presetID="10" presetClass="entr" presetSubtype="0" fill="hold" grpId="0" nodeType="clickEffect">
-                                  <p:stCondLst>
-                                    <p:cond delay="0"/>
-                                  </p:stCondLst>
-                                  <p:childTnLst>
-                                    <p:set>
-                                      <p:cBhvr>
-                                        <p:cTn id="6" dur="1" fill="hold">
-                                          <p:stCondLst>
-                                            <p:cond delay="0"/>
-                                          </p:stCondLst>
-                                        </p:cTn>
-                                        <p:tgtEl>
-                                          <p:spTgt spid="22"/>
-                                        </p:tgtEl>
-                                        <p:attrNameLst>
-                                          <p:attrName>style.visibility</p:attrName>
-                                        </p:attrNameLst>
-                                      </p:cBhvr>
-                                      <p:to>
-                                        <p:strVal val="visible"/>
-                                      </p:to>
-                                    </p:set>
-                                    <p:animEffect transition="in" filter="fade">
-                                      <p:cBhvr>
-                                        <p:cTn id="7" dur="500"/>
-                                        <p:tgtEl>
-                                          <p:spTgt spid="22"/>
-                                        </p:tgtEl>
-                                      </p:cBhvr>
-                                    </p:animEffect>
-                                  </p:childTnLst>
-                                </p:cTn>
-                              </p:par>
-                            </p:childTnLst>
-                          </p:cTn>
-                        </p:par>
-                      </p:childTnLst>
-                    </p:cTn>
-                  </p:par>
-                </p:childTnLst>
-              </p:cTn>
-              <p:prevCondLst>
-                <p:cond evt="onPrev" delay="0">
-                  <p:tgtEl>
-                    <p:sldTgt/>
-                  </p:tgtEl>
-                </p:cond>
-              </p:prevCondLst>
-              <p:nextCondLst>
-                <p:cond evt="onNext" delay="0">
-                  <p:tgtEl>
-                    <p:sldTgt/>
-                  </p:tgtEl>
-                </p:cond>
-              </p:nextCondLst>
-            </p:seq>
-          </p:childTnLst>
-        </p:cTn>
-      </p:par>
-    </p:tnLst>
-    <p:bldLst>
-      <p:bldP spid="22" grpId="0"/>
-    </p:bldLst>
-  </p:timing>
-</p:sld>
-</file>
-
-<file path=ppt/slides/slide17.xml><?xml version="1.0" encoding="utf-8"?>
-<p:sld xmlns:a="http://schemas.openxmlformats.org/drawingml/2006/main" xmlns:r="http://schemas.openxmlformats.org/officeDocument/2006/relationships" xmlns:p="http://schemas.openxmlformats.org/presentationml/2006/main">
-  <p:cSld>
-    <p:spTree>
-      <p:nvGrpSpPr>
-        <p:cNvPr id="1" name=""/>
-        <p:cNvGrpSpPr/>
-        <p:nvPr/>
-      </p:nvGrpSpPr>
-      <p:grpSpPr>
-        <a:xfrm>
-          <a:off x="0" y="0"/>
-          <a:ext cx="0" cy="0"/>
-          <a:chOff x="0" y="0"/>
-          <a:chExt cx="0" cy="0"/>
-        </a:xfrm>
-      </p:grpSpPr>
-      <p:sp>
-        <p:nvSpPr>
-          <p:cNvPr id="2" name="Title 1">
-            <a:extLst>
-              <a:ext uri="{FF2B5EF4-FFF2-40B4-BE49-F238E27FC236}">
-                <a16:creationId xmlns:a16="http://schemas.microsoft.com/office/drawing/2014/main" id="{AE4AD477-2F27-43DA-A448-3AE11C8CB1B0}"/>
-              </a:ext>
-            </a:extLst>
-          </p:cNvPr>
-          <p:cNvSpPr>
-            <a:spLocks noGrp="1"/>
-          </p:cNvSpPr>
-          <p:nvPr>
-            <p:ph type="title"/>
-          </p:nvPr>
-        </p:nvSpPr>
-        <p:spPr>
-          <a:xfrm>
-            <a:off x="0" y="36949"/>
-            <a:ext cx="12192000" cy="1325563"/>
-          </a:xfrm>
-        </p:spPr>
-        <p:txBody>
-          <a:bodyPr anchor="ctr">
-            <a:normAutofit/>
-          </a:bodyPr>
-          <a:lstStyle/>
-          <a:p>
-            <a:pPr algn="ctr"/>
-            <a:r>
-              <a:rPr lang="en-US" sz="4000" b="1" dirty="0">
-                <a:solidFill>
-                  <a:schemeClr val="tx1">
-                    <a:lumMod val="75000"/>
-                    <a:lumOff val="25000"/>
-                  </a:schemeClr>
-                </a:solidFill>
-                <a:latin typeface="Avenir Heavy"/>
-              </a:rPr>
-              <a:t>Flowcharts</a:t>
-            </a:r>
-          </a:p>
-        </p:txBody>
-      </p:sp>
-      <p:grpSp>
-        <p:nvGrpSpPr>
-          <p:cNvPr id="58" name="Group 57" descr="Flow chart showing a series of decisions from start to end as code is run. Input is received from an Arduino, and on High inputs, an image is captured and confirmation is requested from user, if true, output is sent to Arduino. Otherwise the image is deleted via a High output signal sent to pin 11 on the arduino.">
-            <a:extLst>
-              <a:ext uri="{FF2B5EF4-FFF2-40B4-BE49-F238E27FC236}">
-                <a16:creationId xmlns:a16="http://schemas.microsoft.com/office/drawing/2014/main" id="{628B0EC7-8708-11D0-F586-64B8BC792616}"/>
-              </a:ext>
-            </a:extLst>
-          </p:cNvPr>
-          <p:cNvGrpSpPr/>
-          <p:nvPr/>
-        </p:nvGrpSpPr>
-        <p:grpSpPr>
-          <a:xfrm>
-            <a:off x="3966057" y="1133333"/>
-            <a:ext cx="4797043" cy="5391952"/>
-            <a:chOff x="4222089" y="1169909"/>
-            <a:chExt cx="4797043" cy="5391952"/>
-          </a:xfrm>
-        </p:grpSpPr>
-        <p:cxnSp>
-          <p:nvCxnSpPr>
-            <p:cNvPr id="49" name="Straight Connector 48">
-              <a:extLst>
-                <a:ext uri="{FF2B5EF4-FFF2-40B4-BE49-F238E27FC236}">
-                  <a16:creationId xmlns:a16="http://schemas.microsoft.com/office/drawing/2014/main" id="{7D5A9692-74A7-0EC0-385A-F48B2C27D4C5}"/>
-                </a:ext>
-              </a:extLst>
-            </p:cNvPr>
-            <p:cNvCxnSpPr>
-              <a:cxnSpLocks/>
-            </p:cNvCxnSpPr>
-            <p:nvPr/>
-          </p:nvCxnSpPr>
-          <p:spPr>
-            <a:xfrm>
-              <a:off x="8128734" y="1668578"/>
-              <a:ext cx="0" cy="1712319"/>
-            </a:xfrm>
-            <a:prstGeom prst="line">
-              <a:avLst/>
-            </a:prstGeom>
-            <a:ln w="28575">
-              <a:solidFill>
-                <a:srgbClr val="30335D"/>
-              </a:solidFill>
-            </a:ln>
-          </p:spPr>
-          <p:style>
-            <a:lnRef idx="1">
-              <a:schemeClr val="accent1"/>
-            </a:lnRef>
-            <a:fillRef idx="0">
-              <a:schemeClr val="accent1"/>
-            </a:fillRef>
-            <a:effectRef idx="0">
-              <a:schemeClr val="accent1"/>
-            </a:effectRef>
-            <a:fontRef idx="minor">
-              <a:schemeClr val="tx1"/>
-            </a:fontRef>
-          </p:style>
-        </p:cxnSp>
-        <p:cxnSp>
-          <p:nvCxnSpPr>
-            <p:cNvPr id="45" name="Straight Connector 44">
-              <a:extLst>
-                <a:ext uri="{FF2B5EF4-FFF2-40B4-BE49-F238E27FC236}">
-                  <a16:creationId xmlns:a16="http://schemas.microsoft.com/office/drawing/2014/main" id="{81EC34E9-B547-D51A-7BC9-4F3A00D9BF5F}"/>
-                </a:ext>
-              </a:extLst>
-            </p:cNvPr>
-            <p:cNvCxnSpPr>
-              <a:cxnSpLocks/>
-            </p:cNvCxnSpPr>
-            <p:nvPr/>
-          </p:nvCxnSpPr>
-          <p:spPr>
-            <a:xfrm>
-              <a:off x="5998464" y="4860152"/>
-              <a:ext cx="2122337" cy="0"/>
-            </a:xfrm>
-            <a:prstGeom prst="line">
-              <a:avLst/>
-            </a:prstGeom>
-            <a:ln w="25400">
-              <a:solidFill>
-                <a:srgbClr val="30335D"/>
-              </a:solidFill>
-            </a:ln>
-          </p:spPr>
-          <p:style>
-            <a:lnRef idx="1">
-              <a:schemeClr val="accent1"/>
-            </a:lnRef>
-            <a:fillRef idx="0">
-              <a:schemeClr val="accent1"/>
-            </a:fillRef>
-            <a:effectRef idx="0">
-              <a:schemeClr val="accent1"/>
-            </a:effectRef>
-            <a:fontRef idx="minor">
-              <a:schemeClr val="tx1"/>
-            </a:fontRef>
-          </p:style>
-        </p:cxnSp>
-        <p:sp>
-          <p:nvSpPr>
-            <p:cNvPr id="3" name="Rounded Rectangle 2">
-              <a:extLst>
-                <a:ext uri="{FF2B5EF4-FFF2-40B4-BE49-F238E27FC236}">
-                  <a16:creationId xmlns:a16="http://schemas.microsoft.com/office/drawing/2014/main" id="{88AE685E-E8E2-DE99-9C69-E977376F985B}"/>
-                </a:ext>
-              </a:extLst>
-            </p:cNvPr>
-            <p:cNvSpPr/>
-            <p:nvPr/>
-          </p:nvSpPr>
-          <p:spPr>
-            <a:xfrm>
-              <a:off x="4499602" y="1823017"/>
-              <a:ext cx="1937774" cy="630716"/>
-            </a:xfrm>
-            <a:prstGeom prst="roundRect">
-              <a:avLst/>
-            </a:prstGeom>
-            <a:solidFill>
-              <a:srgbClr val="DCEBF5"/>
-            </a:solidFill>
-            <a:ln w="19050">
-              <a:solidFill>
-                <a:srgbClr val="30335D"/>
-              </a:solidFill>
-            </a:ln>
-          </p:spPr>
-          <p:style>
-            <a:lnRef idx="2">
-              <a:schemeClr val="accent1">
-                <a:shade val="50000"/>
-              </a:schemeClr>
-            </a:lnRef>
-            <a:fillRef idx="1">
-              <a:schemeClr val="accent1"/>
-            </a:fillRef>
-            <a:effectRef idx="0">
-              <a:schemeClr val="accent1"/>
-            </a:effectRef>
-            <a:fontRef idx="minor">
-              <a:schemeClr val="lt1"/>
-            </a:fontRef>
-          </p:style>
-          <p:txBody>
-            <a:bodyPr rtlCol="0" anchor="ctr"/>
-            <a:lstStyle/>
-            <a:p>
-              <a:pPr algn="ctr"/>
-              <a:endParaRPr lang="en-US"/>
-            </a:p>
-          </p:txBody>
-        </p:sp>
-        <p:sp>
-          <p:nvSpPr>
-            <p:cNvPr id="5" name="TextBox 4">
-              <a:extLst>
-                <a:ext uri="{FF2B5EF4-FFF2-40B4-BE49-F238E27FC236}">
-                  <a16:creationId xmlns:a16="http://schemas.microsoft.com/office/drawing/2014/main" id="{F970AA77-0A5F-4A6B-FBDB-E379F5355FE4}"/>
-                </a:ext>
-              </a:extLst>
-            </p:cNvPr>
-            <p:cNvSpPr txBox="1"/>
-            <p:nvPr/>
-          </p:nvSpPr>
-          <p:spPr>
-            <a:xfrm>
-              <a:off x="4499601" y="1887025"/>
-              <a:ext cx="1937774" cy="523220"/>
-            </a:xfrm>
-            <a:prstGeom prst="rect">
-              <a:avLst/>
-            </a:prstGeom>
-            <a:noFill/>
-            <a:ln>
-              <a:noFill/>
-            </a:ln>
-          </p:spPr>
-          <p:txBody>
-            <a:bodyPr wrap="square" rtlCol="0">
-              <a:spAutoFit/>
-            </a:bodyPr>
-            <a:lstStyle/>
-            <a:p>
-              <a:pPr algn="ctr"/>
-              <a:r>
-                <a:rPr lang="en-US" sz="1400">
-                  <a:latin typeface="Avenir" panose="02000503020000020003" pitchFamily="2" charset="0"/>
-                </a:rPr>
-                <a:t>Read input from </a:t>
-              </a:r>
-            </a:p>
-            <a:p>
-              <a:pPr algn="ctr"/>
-              <a:r>
-                <a:rPr lang="en-US" sz="1400">
-                  <a:latin typeface="Avenir" panose="02000503020000020003" pitchFamily="2" charset="0"/>
-                </a:rPr>
-                <a:t>pin 13 Arduino</a:t>
-              </a:r>
-            </a:p>
-          </p:txBody>
-        </p:sp>
-        <p:sp>
-          <p:nvSpPr>
-            <p:cNvPr id="6" name="Rounded Rectangle 5">
-              <a:extLst>
-                <a:ext uri="{FF2B5EF4-FFF2-40B4-BE49-F238E27FC236}">
-                  <a16:creationId xmlns:a16="http://schemas.microsoft.com/office/drawing/2014/main" id="{E78920A2-3C52-A093-8F9A-7C36926E9C7D}"/>
-                </a:ext>
-              </a:extLst>
-            </p:cNvPr>
-            <p:cNvSpPr/>
-            <p:nvPr/>
-          </p:nvSpPr>
-          <p:spPr>
-            <a:xfrm>
-              <a:off x="4500271" y="3543131"/>
-              <a:ext cx="1937775" cy="830997"/>
-            </a:xfrm>
-            <a:prstGeom prst="roundRect">
-              <a:avLst/>
-            </a:prstGeom>
-            <a:solidFill>
-              <a:srgbClr val="DCEBF5"/>
-            </a:solidFill>
-            <a:ln w="19050">
-              <a:solidFill>
-                <a:srgbClr val="30335D"/>
-              </a:solidFill>
-            </a:ln>
-          </p:spPr>
-          <p:style>
-            <a:lnRef idx="2">
-              <a:schemeClr val="accent1">
-                <a:shade val="50000"/>
-              </a:schemeClr>
-            </a:lnRef>
-            <a:fillRef idx="1">
-              <a:schemeClr val="accent1"/>
-            </a:fillRef>
-            <a:effectRef idx="0">
-              <a:schemeClr val="accent1"/>
-            </a:effectRef>
-            <a:fontRef idx="minor">
-              <a:schemeClr val="lt1"/>
-            </a:fontRef>
-          </p:style>
-          <p:txBody>
-            <a:bodyPr rtlCol="0" anchor="ctr"/>
-            <a:lstStyle/>
-            <a:p>
-              <a:pPr algn="ctr"/>
-              <a:endParaRPr lang="en-US"/>
-            </a:p>
-          </p:txBody>
-        </p:sp>
-        <p:sp>
-          <p:nvSpPr>
-            <p:cNvPr id="7" name="TextBox 6">
-              <a:extLst>
-                <a:ext uri="{FF2B5EF4-FFF2-40B4-BE49-F238E27FC236}">
-                  <a16:creationId xmlns:a16="http://schemas.microsoft.com/office/drawing/2014/main" id="{60704B6F-4E5D-0B19-AB99-2014B7889D8D}"/>
-                </a:ext>
-              </a:extLst>
-            </p:cNvPr>
-            <p:cNvSpPr txBox="1"/>
-            <p:nvPr/>
-          </p:nvSpPr>
-          <p:spPr>
-            <a:xfrm>
-              <a:off x="4222089" y="3591936"/>
-              <a:ext cx="2486416" cy="738664"/>
-            </a:xfrm>
-            <a:prstGeom prst="rect">
-              <a:avLst/>
-            </a:prstGeom>
-            <a:noFill/>
-            <a:ln>
-              <a:noFill/>
-            </a:ln>
-          </p:spPr>
-          <p:txBody>
-            <a:bodyPr wrap="square" rtlCol="0">
-              <a:spAutoFit/>
-            </a:bodyPr>
-            <a:lstStyle/>
-            <a:p>
-              <a:pPr algn="ctr"/>
-              <a:r>
-                <a:rPr lang="en-US" sz="1400">
-                  <a:latin typeface="Avenir" panose="02000503020000020003" pitchFamily="2" charset="0"/>
-                </a:rPr>
-                <a:t>Capture the image</a:t>
-              </a:r>
-            </a:p>
-            <a:p>
-              <a:pPr algn="ctr"/>
-              <a:r>
-                <a:rPr lang="en-US" sz="1400">
-                  <a:latin typeface="Avenir" panose="02000503020000020003" pitchFamily="2" charset="0"/>
-                </a:rPr>
-                <a:t>Get a confirmation </a:t>
-              </a:r>
-            </a:p>
-            <a:p>
-              <a:pPr algn="ctr"/>
-              <a:r>
-                <a:rPr lang="en-US" sz="1400">
-                  <a:latin typeface="Avenir" panose="02000503020000020003" pitchFamily="2" charset="0"/>
-                </a:rPr>
-                <a:t>from user</a:t>
-              </a:r>
-            </a:p>
-          </p:txBody>
-        </p:sp>
-        <p:sp>
-          <p:nvSpPr>
-            <p:cNvPr id="8" name="Rounded Rectangle 7">
-              <a:extLst>
-                <a:ext uri="{FF2B5EF4-FFF2-40B4-BE49-F238E27FC236}">
-                  <a16:creationId xmlns:a16="http://schemas.microsoft.com/office/drawing/2014/main" id="{D1FCDD96-A6E9-BAFF-479E-B2AEF81E9074}"/>
-                </a:ext>
-              </a:extLst>
-            </p:cNvPr>
-            <p:cNvSpPr/>
-            <p:nvPr/>
-          </p:nvSpPr>
-          <p:spPr>
-            <a:xfrm>
-              <a:off x="7193380" y="3317480"/>
-              <a:ext cx="1728217" cy="841028"/>
-            </a:xfrm>
-            <a:prstGeom prst="roundRect">
-              <a:avLst/>
-            </a:prstGeom>
-            <a:solidFill>
-              <a:srgbClr val="DCEBF5"/>
-            </a:solidFill>
-            <a:ln w="19050">
-              <a:solidFill>
-                <a:srgbClr val="30335D"/>
-              </a:solidFill>
-            </a:ln>
-          </p:spPr>
-          <p:style>
-            <a:lnRef idx="2">
-              <a:schemeClr val="accent1">
-                <a:shade val="50000"/>
-              </a:schemeClr>
-            </a:lnRef>
-            <a:fillRef idx="1">
-              <a:schemeClr val="accent1"/>
-            </a:fillRef>
-            <a:effectRef idx="0">
-              <a:schemeClr val="accent1"/>
-            </a:effectRef>
-            <a:fontRef idx="minor">
-              <a:schemeClr val="lt1"/>
-            </a:fontRef>
-          </p:style>
-          <p:txBody>
-            <a:bodyPr rtlCol="0" anchor="ctr"/>
-            <a:lstStyle/>
-            <a:p>
-              <a:pPr algn="ctr"/>
-              <a:endParaRPr lang="en-US"/>
-            </a:p>
-          </p:txBody>
-        </p:sp>
-        <p:sp>
-          <p:nvSpPr>
-            <p:cNvPr id="9" name="TextBox 8">
-              <a:extLst>
-                <a:ext uri="{FF2B5EF4-FFF2-40B4-BE49-F238E27FC236}">
-                  <a16:creationId xmlns:a16="http://schemas.microsoft.com/office/drawing/2014/main" id="{218D8449-316C-D0DD-39A9-8168907A7AF1}"/>
-                </a:ext>
-              </a:extLst>
-            </p:cNvPr>
-            <p:cNvSpPr txBox="1"/>
-            <p:nvPr/>
-          </p:nvSpPr>
-          <p:spPr>
-            <a:xfrm>
-              <a:off x="7081358" y="3378440"/>
-              <a:ext cx="1937774" cy="954107"/>
-            </a:xfrm>
-            <a:prstGeom prst="rect">
-              <a:avLst/>
-            </a:prstGeom>
-            <a:noFill/>
-            <a:ln>
-              <a:noFill/>
-            </a:ln>
-          </p:spPr>
-          <p:txBody>
-            <a:bodyPr wrap="square" rtlCol="0">
-              <a:spAutoFit/>
-            </a:bodyPr>
-            <a:lstStyle/>
-            <a:p>
-              <a:pPr algn="ctr"/>
-              <a:r>
-                <a:rPr lang="en-US" sz="1400">
-                  <a:latin typeface="Avenir" panose="02000503020000020003" pitchFamily="2" charset="0"/>
-                </a:rPr>
-                <a:t>Send HIGH output </a:t>
-              </a:r>
-            </a:p>
-            <a:p>
-              <a:pPr algn="ctr"/>
-              <a:r>
-                <a:rPr lang="en-US" sz="1400">
-                  <a:latin typeface="Avenir" panose="02000503020000020003" pitchFamily="2" charset="0"/>
-                </a:rPr>
-                <a:t>to pin 11 Arduino</a:t>
-              </a:r>
-            </a:p>
-            <a:p>
-              <a:pPr algn="ctr"/>
-              <a:r>
-                <a:rPr lang="en-US" sz="1400">
-                  <a:latin typeface="Avenir" panose="02000503020000020003" pitchFamily="2" charset="0"/>
-                </a:rPr>
-                <a:t>Delete the image</a:t>
-              </a:r>
-            </a:p>
-            <a:p>
-              <a:pPr algn="ctr"/>
-              <a:endParaRPr lang="en-US" sz="1400">
-                <a:latin typeface="Avenir" panose="02000503020000020003" pitchFamily="2" charset="0"/>
-              </a:endParaRPr>
-            </a:p>
-          </p:txBody>
-        </p:sp>
-        <p:sp>
-          <p:nvSpPr>
-            <p:cNvPr id="10" name="Rounded Rectangle 9">
-              <a:extLst>
-                <a:ext uri="{FF2B5EF4-FFF2-40B4-BE49-F238E27FC236}">
-                  <a16:creationId xmlns:a16="http://schemas.microsoft.com/office/drawing/2014/main" id="{E8A3320B-9EAB-36DA-C0CE-74113D1CD958}"/>
-                </a:ext>
-              </a:extLst>
-            </p:cNvPr>
-            <p:cNvSpPr/>
-            <p:nvPr/>
-          </p:nvSpPr>
-          <p:spPr>
-            <a:xfrm>
-              <a:off x="5047488" y="1169909"/>
-              <a:ext cx="795528" cy="450751"/>
-            </a:xfrm>
-            <a:prstGeom prst="roundRect">
-              <a:avLst>
-                <a:gd name="adj" fmla="val 50000"/>
-              </a:avLst>
-            </a:prstGeom>
-            <a:solidFill>
-              <a:srgbClr val="DCEBF5"/>
-            </a:solidFill>
-            <a:ln w="19050">
-              <a:solidFill>
-                <a:srgbClr val="30335D"/>
-              </a:solidFill>
-            </a:ln>
-          </p:spPr>
-          <p:style>
-            <a:lnRef idx="2">
-              <a:schemeClr val="accent1">
-                <a:shade val="50000"/>
-              </a:schemeClr>
-            </a:lnRef>
-            <a:fillRef idx="1">
-              <a:schemeClr val="accent1"/>
-            </a:fillRef>
-            <a:effectRef idx="0">
-              <a:schemeClr val="accent1"/>
-            </a:effectRef>
-            <a:fontRef idx="minor">
-              <a:schemeClr val="lt1"/>
-            </a:fontRef>
-          </p:style>
-          <p:txBody>
-            <a:bodyPr rtlCol="0" anchor="ctr"/>
-            <a:lstStyle/>
-            <a:p>
-              <a:pPr algn="ctr"/>
-              <a:endParaRPr lang="en-US"/>
-            </a:p>
-          </p:txBody>
-        </p:sp>
-        <p:sp>
-          <p:nvSpPr>
-            <p:cNvPr id="11" name="TextBox 10">
-              <a:extLst>
-                <a:ext uri="{FF2B5EF4-FFF2-40B4-BE49-F238E27FC236}">
-                  <a16:creationId xmlns:a16="http://schemas.microsoft.com/office/drawing/2014/main" id="{50094E26-933B-7A97-1D85-0ABC52548F93}"/>
-                </a:ext>
-              </a:extLst>
-            </p:cNvPr>
-            <p:cNvSpPr txBox="1"/>
-            <p:nvPr/>
-          </p:nvSpPr>
-          <p:spPr>
-            <a:xfrm>
-              <a:off x="4892039" y="1222778"/>
-              <a:ext cx="1106425" cy="307777"/>
-            </a:xfrm>
-            <a:prstGeom prst="rect">
-              <a:avLst/>
-            </a:prstGeom>
-            <a:noFill/>
-            <a:ln>
-              <a:noFill/>
-            </a:ln>
-          </p:spPr>
-          <p:txBody>
-            <a:bodyPr wrap="square" rtlCol="0">
-              <a:spAutoFit/>
-            </a:bodyPr>
-            <a:lstStyle/>
-            <a:p>
-              <a:pPr algn="ctr"/>
-              <a:r>
-                <a:rPr lang="en-US" sz="1400">
-                  <a:latin typeface="Avenir" panose="02000503020000020003" pitchFamily="2" charset="0"/>
-                </a:rPr>
-                <a:t>Start</a:t>
-              </a:r>
-            </a:p>
-          </p:txBody>
-        </p:sp>
-        <p:sp>
-          <p:nvSpPr>
-            <p:cNvPr id="12" name="Rounded Rectangle 11">
-              <a:extLst>
-                <a:ext uri="{FF2B5EF4-FFF2-40B4-BE49-F238E27FC236}">
-                  <a16:creationId xmlns:a16="http://schemas.microsoft.com/office/drawing/2014/main" id="{838703AF-ACE8-5736-E74C-80B81531EE4A}"/>
-                </a:ext>
-              </a:extLst>
-            </p:cNvPr>
-            <p:cNvSpPr/>
-            <p:nvPr/>
-          </p:nvSpPr>
-          <p:spPr>
-            <a:xfrm>
-              <a:off x="5060492" y="6111110"/>
-              <a:ext cx="749809" cy="450751"/>
-            </a:xfrm>
-            <a:prstGeom prst="roundRect">
-              <a:avLst>
-                <a:gd name="adj" fmla="val 50000"/>
-              </a:avLst>
-            </a:prstGeom>
-            <a:solidFill>
-              <a:srgbClr val="DCEBF5"/>
-            </a:solidFill>
-            <a:ln w="19050">
-              <a:solidFill>
-                <a:srgbClr val="30335D"/>
-              </a:solidFill>
-            </a:ln>
-          </p:spPr>
-          <p:style>
-            <a:lnRef idx="2">
-              <a:schemeClr val="accent1">
-                <a:shade val="50000"/>
-              </a:schemeClr>
-            </a:lnRef>
-            <a:fillRef idx="1">
-              <a:schemeClr val="accent1"/>
-            </a:fillRef>
-            <a:effectRef idx="0">
-              <a:schemeClr val="accent1"/>
-            </a:effectRef>
-            <a:fontRef idx="minor">
-              <a:schemeClr val="lt1"/>
-            </a:fontRef>
-          </p:style>
-          <p:txBody>
-            <a:bodyPr rtlCol="0" anchor="ctr"/>
-            <a:lstStyle/>
-            <a:p>
-              <a:pPr algn="ctr"/>
-              <a:endParaRPr lang="en-US"/>
-            </a:p>
-          </p:txBody>
-        </p:sp>
-        <p:sp>
-          <p:nvSpPr>
-            <p:cNvPr id="13" name="TextBox 12">
-              <a:extLst>
-                <a:ext uri="{FF2B5EF4-FFF2-40B4-BE49-F238E27FC236}">
-                  <a16:creationId xmlns:a16="http://schemas.microsoft.com/office/drawing/2014/main" id="{FF688490-3A32-15E7-4742-3973A0007F1F}"/>
-                </a:ext>
-              </a:extLst>
-            </p:cNvPr>
-            <p:cNvSpPr txBox="1"/>
-            <p:nvPr/>
-          </p:nvSpPr>
-          <p:spPr>
-            <a:xfrm>
-              <a:off x="4892039" y="6163979"/>
-              <a:ext cx="1106425" cy="307777"/>
-            </a:xfrm>
-            <a:prstGeom prst="rect">
-              <a:avLst/>
-            </a:prstGeom>
-            <a:noFill/>
-            <a:ln>
-              <a:noFill/>
-            </a:ln>
-          </p:spPr>
-          <p:txBody>
-            <a:bodyPr wrap="square" rtlCol="0">
-              <a:spAutoFit/>
-            </a:bodyPr>
-            <a:lstStyle/>
-            <a:p>
-              <a:pPr algn="ctr"/>
-              <a:r>
-                <a:rPr lang="en-US" sz="1400">
-                  <a:latin typeface="Avenir" panose="02000503020000020003" pitchFamily="2" charset="0"/>
-                </a:rPr>
-                <a:t>End</a:t>
-              </a:r>
-            </a:p>
-          </p:txBody>
-        </p:sp>
-        <p:sp>
-          <p:nvSpPr>
-            <p:cNvPr id="14" name="Rounded Rectangle 13">
-              <a:extLst>
-                <a:ext uri="{FF2B5EF4-FFF2-40B4-BE49-F238E27FC236}">
-                  <a16:creationId xmlns:a16="http://schemas.microsoft.com/office/drawing/2014/main" id="{1C95024C-E684-CD7B-1218-59AD7F51ACCC}"/>
-                </a:ext>
-              </a:extLst>
-            </p:cNvPr>
-            <p:cNvSpPr/>
-            <p:nvPr/>
-          </p:nvSpPr>
-          <p:spPr>
-            <a:xfrm>
-              <a:off x="4499602" y="5352614"/>
-              <a:ext cx="1937775" cy="621388"/>
-            </a:xfrm>
-            <a:prstGeom prst="roundRect">
-              <a:avLst/>
-            </a:prstGeom>
-            <a:solidFill>
-              <a:srgbClr val="DCEBF5"/>
-            </a:solidFill>
-            <a:ln w="19050">
-              <a:solidFill>
-                <a:srgbClr val="30335D"/>
-              </a:solidFill>
-            </a:ln>
-          </p:spPr>
-          <p:style>
-            <a:lnRef idx="2">
-              <a:schemeClr val="accent1">
-                <a:shade val="50000"/>
-              </a:schemeClr>
-            </a:lnRef>
-            <a:fillRef idx="1">
-              <a:schemeClr val="accent1"/>
-            </a:fillRef>
-            <a:effectRef idx="0">
-              <a:schemeClr val="accent1"/>
-            </a:effectRef>
-            <a:fontRef idx="minor">
-              <a:schemeClr val="lt1"/>
-            </a:fontRef>
-          </p:style>
-          <p:txBody>
-            <a:bodyPr rtlCol="0" anchor="ctr"/>
-            <a:lstStyle/>
-            <a:p>
-              <a:pPr algn="ctr"/>
-              <a:endParaRPr lang="en-US"/>
-            </a:p>
-          </p:txBody>
-        </p:sp>
-        <p:sp>
-          <p:nvSpPr>
-            <p:cNvPr id="15" name="TextBox 14">
-              <a:extLst>
-                <a:ext uri="{FF2B5EF4-FFF2-40B4-BE49-F238E27FC236}">
-                  <a16:creationId xmlns:a16="http://schemas.microsoft.com/office/drawing/2014/main" id="{35D747BC-451F-40B4-63D2-408A274D2362}"/>
-                </a:ext>
-              </a:extLst>
-            </p:cNvPr>
-            <p:cNvSpPr txBox="1"/>
-            <p:nvPr/>
-          </p:nvSpPr>
-          <p:spPr>
-            <a:xfrm>
-              <a:off x="4499601" y="5398371"/>
-              <a:ext cx="1937775" cy="523220"/>
-            </a:xfrm>
-            <a:prstGeom prst="rect">
-              <a:avLst/>
-            </a:prstGeom>
-            <a:noFill/>
-            <a:ln>
-              <a:noFill/>
-            </a:ln>
-          </p:spPr>
-          <p:txBody>
-            <a:bodyPr wrap="square" rtlCol="0">
-              <a:spAutoFit/>
-            </a:bodyPr>
-            <a:lstStyle/>
-            <a:p>
-              <a:pPr algn="ctr"/>
-              <a:r>
-                <a:rPr lang="en-US" sz="1400">
-                  <a:latin typeface="Avenir" panose="02000503020000020003" pitchFamily="2" charset="0"/>
-                </a:rPr>
-                <a:t>Send output to </a:t>
-              </a:r>
-            </a:p>
-            <a:p>
-              <a:pPr algn="ctr"/>
-              <a:r>
-                <a:rPr lang="en-US" sz="1400">
-                  <a:latin typeface="Avenir" panose="02000503020000020003" pitchFamily="2" charset="0"/>
-                </a:rPr>
-                <a:t>pin 12 Arduino</a:t>
-              </a:r>
-            </a:p>
-          </p:txBody>
-        </p:sp>
-        <p:sp>
-          <p:nvSpPr>
-            <p:cNvPr id="16" name="Decision 15">
-              <a:extLst>
-                <a:ext uri="{FF2B5EF4-FFF2-40B4-BE49-F238E27FC236}">
-                  <a16:creationId xmlns:a16="http://schemas.microsoft.com/office/drawing/2014/main" id="{CEE12BCE-E5F1-8B63-E658-33E13B9A8AB6}"/>
-                </a:ext>
-              </a:extLst>
-            </p:cNvPr>
-            <p:cNvSpPr/>
-            <p:nvPr/>
-          </p:nvSpPr>
-          <p:spPr>
-            <a:xfrm>
-              <a:off x="4674008" y="2573987"/>
-              <a:ext cx="1582582" cy="830998"/>
-            </a:xfrm>
-            <a:prstGeom prst="flowChartDecision">
-              <a:avLst/>
-            </a:prstGeom>
-            <a:solidFill>
-              <a:srgbClr val="D2D3F1"/>
-            </a:solidFill>
-            <a:ln>
-              <a:solidFill>
-                <a:schemeClr val="tx1"/>
-              </a:solidFill>
-            </a:ln>
-          </p:spPr>
-          <p:style>
-            <a:lnRef idx="2">
-              <a:schemeClr val="accent1">
-                <a:shade val="50000"/>
-              </a:schemeClr>
-            </a:lnRef>
-            <a:fillRef idx="1">
-              <a:schemeClr val="accent1"/>
-            </a:fillRef>
-            <a:effectRef idx="0">
-              <a:schemeClr val="accent1"/>
-            </a:effectRef>
-            <a:fontRef idx="minor">
-              <a:schemeClr val="lt1"/>
-            </a:fontRef>
-          </p:style>
-          <p:txBody>
-            <a:bodyPr rtlCol="0" anchor="ctr"/>
-            <a:lstStyle/>
-            <a:p>
-              <a:pPr algn="ctr"/>
-              <a:endParaRPr lang="en-US"/>
-            </a:p>
-          </p:txBody>
-        </p:sp>
-        <p:sp>
-          <p:nvSpPr>
-            <p:cNvPr id="17" name="TextBox 16">
-              <a:extLst>
-                <a:ext uri="{FF2B5EF4-FFF2-40B4-BE49-F238E27FC236}">
-                  <a16:creationId xmlns:a16="http://schemas.microsoft.com/office/drawing/2014/main" id="{0A849DAC-0458-29D3-7FC0-2926557EE4BE}"/>
-                </a:ext>
-              </a:extLst>
-            </p:cNvPr>
-            <p:cNvSpPr txBox="1"/>
-            <p:nvPr/>
-          </p:nvSpPr>
-          <p:spPr>
-            <a:xfrm>
-              <a:off x="4686198" y="2596140"/>
-              <a:ext cx="1582583" cy="738664"/>
-            </a:xfrm>
-            <a:prstGeom prst="rect">
-              <a:avLst/>
-            </a:prstGeom>
-            <a:noFill/>
-            <a:ln>
-              <a:noFill/>
-            </a:ln>
-          </p:spPr>
-          <p:txBody>
-            <a:bodyPr wrap="square" rtlCol="0">
-              <a:spAutoFit/>
-            </a:bodyPr>
-            <a:lstStyle/>
-            <a:p>
-              <a:pPr algn="ctr"/>
-              <a:r>
-                <a:rPr lang="en-US" sz="1400" dirty="0">
-                  <a:latin typeface="Avenir" panose="02000503020000020003" pitchFamily="2" charset="0"/>
-                </a:rPr>
-                <a:t>Is </a:t>
-              </a:r>
-            </a:p>
-            <a:p>
-              <a:pPr algn="ctr"/>
-              <a:r>
-                <a:rPr lang="en-US" sz="1400" dirty="0">
-                  <a:latin typeface="Avenir" panose="02000503020000020003" pitchFamily="2" charset="0"/>
-                </a:rPr>
-                <a:t>the input </a:t>
-              </a:r>
-            </a:p>
-            <a:p>
-              <a:pPr algn="ctr"/>
-              <a:r>
-                <a:rPr lang="en-US" sz="1400" dirty="0">
-                  <a:latin typeface="Avenir" panose="02000503020000020003" pitchFamily="2" charset="0"/>
-                </a:rPr>
-                <a:t>HIGH?</a:t>
-              </a:r>
-            </a:p>
-          </p:txBody>
-        </p:sp>
-        <p:sp>
-          <p:nvSpPr>
-            <p:cNvPr id="18" name="Decision 17">
-              <a:extLst>
-                <a:ext uri="{FF2B5EF4-FFF2-40B4-BE49-F238E27FC236}">
-                  <a16:creationId xmlns:a16="http://schemas.microsoft.com/office/drawing/2014/main" id="{78CFA859-36E7-295E-AAB7-FCA363486836}"/>
-                </a:ext>
-              </a:extLst>
-            </p:cNvPr>
-            <p:cNvSpPr/>
-            <p:nvPr/>
-          </p:nvSpPr>
-          <p:spPr>
-            <a:xfrm>
-              <a:off x="4760976" y="4491889"/>
-              <a:ext cx="1325880" cy="730634"/>
-            </a:xfrm>
-            <a:prstGeom prst="flowChartDecision">
-              <a:avLst/>
-            </a:prstGeom>
-            <a:solidFill>
-              <a:srgbClr val="D2D3F1"/>
-            </a:solidFill>
-            <a:ln>
-              <a:solidFill>
-                <a:schemeClr val="tx1"/>
-              </a:solidFill>
-            </a:ln>
-          </p:spPr>
-          <p:style>
-            <a:lnRef idx="2">
-              <a:schemeClr val="accent1">
-                <a:shade val="50000"/>
-              </a:schemeClr>
-            </a:lnRef>
-            <a:fillRef idx="1">
-              <a:schemeClr val="accent1"/>
-            </a:fillRef>
-            <a:effectRef idx="0">
-              <a:schemeClr val="accent1"/>
-            </a:effectRef>
-            <a:fontRef idx="minor">
-              <a:schemeClr val="lt1"/>
-            </a:fontRef>
-          </p:style>
-          <p:txBody>
-            <a:bodyPr rtlCol="0" anchor="ctr"/>
-            <a:lstStyle/>
-            <a:p>
-              <a:pPr algn="ctr"/>
-              <a:endParaRPr lang="en-US"/>
-            </a:p>
-          </p:txBody>
-        </p:sp>
-        <p:sp>
-          <p:nvSpPr>
-            <p:cNvPr id="19" name="TextBox 18">
-              <a:extLst>
-                <a:ext uri="{FF2B5EF4-FFF2-40B4-BE49-F238E27FC236}">
-                  <a16:creationId xmlns:a16="http://schemas.microsoft.com/office/drawing/2014/main" id="{31555E8F-A61B-3016-F048-F0C1E1848A43}"/>
-                </a:ext>
-              </a:extLst>
-            </p:cNvPr>
-            <p:cNvSpPr txBox="1"/>
-            <p:nvPr/>
-          </p:nvSpPr>
-          <p:spPr>
-            <a:xfrm>
-              <a:off x="4760976" y="4596558"/>
-              <a:ext cx="1325880" cy="523220"/>
-            </a:xfrm>
-            <a:prstGeom prst="rect">
-              <a:avLst/>
-            </a:prstGeom>
-            <a:noFill/>
-            <a:ln>
-              <a:noFill/>
-            </a:ln>
-          </p:spPr>
-          <p:txBody>
-            <a:bodyPr wrap="square" rtlCol="0">
-              <a:spAutoFit/>
-            </a:bodyPr>
-            <a:lstStyle/>
-            <a:p>
-              <a:pPr algn="ctr"/>
-              <a:r>
-                <a:rPr lang="en-US" sz="1400">
-                  <a:latin typeface="Avenir" panose="02000503020000020003" pitchFamily="2" charset="0"/>
-                </a:rPr>
-                <a:t>Is it </a:t>
-              </a:r>
-            </a:p>
-            <a:p>
-              <a:pPr algn="ctr"/>
-              <a:r>
-                <a:rPr lang="en-US" sz="1400">
-                  <a:latin typeface="Avenir" panose="02000503020000020003" pitchFamily="2" charset="0"/>
-                </a:rPr>
-                <a:t>True?</a:t>
-              </a:r>
-            </a:p>
-          </p:txBody>
-        </p:sp>
-        <p:cxnSp>
-          <p:nvCxnSpPr>
-            <p:cNvPr id="29" name="Straight Arrow Connector 28">
-              <a:extLst>
-                <a:ext uri="{FF2B5EF4-FFF2-40B4-BE49-F238E27FC236}">
-                  <a16:creationId xmlns:a16="http://schemas.microsoft.com/office/drawing/2014/main" id="{BC2810F3-5C41-5457-97E0-A12BAA0755DB}"/>
-                </a:ext>
-              </a:extLst>
-            </p:cNvPr>
-            <p:cNvCxnSpPr>
-              <a:stCxn id="10" idx="2"/>
-            </p:cNvCxnSpPr>
-            <p:nvPr/>
-          </p:nvCxnSpPr>
-          <p:spPr>
-            <a:xfrm flipH="1">
-              <a:off x="5445251" y="1620660"/>
-              <a:ext cx="1" cy="202357"/>
-            </a:xfrm>
-            <a:prstGeom prst="straightConnector1">
-              <a:avLst/>
-            </a:prstGeom>
-            <a:ln w="28575">
-              <a:solidFill>
-                <a:srgbClr val="30335D"/>
-              </a:solidFill>
-              <a:tailEnd type="triangle"/>
-            </a:ln>
-          </p:spPr>
-          <p:style>
-            <a:lnRef idx="1">
-              <a:schemeClr val="accent1"/>
-            </a:lnRef>
-            <a:fillRef idx="0">
-              <a:schemeClr val="accent1"/>
-            </a:fillRef>
-            <a:effectRef idx="0">
-              <a:schemeClr val="accent1"/>
-            </a:effectRef>
-            <a:fontRef idx="minor">
-              <a:schemeClr val="tx1"/>
-            </a:fontRef>
-          </p:style>
-        </p:cxnSp>
-        <p:cxnSp>
-          <p:nvCxnSpPr>
-            <p:cNvPr id="30" name="Straight Arrow Connector 29">
-              <a:extLst>
-                <a:ext uri="{FF2B5EF4-FFF2-40B4-BE49-F238E27FC236}">
-                  <a16:creationId xmlns:a16="http://schemas.microsoft.com/office/drawing/2014/main" id="{94D0E66E-F829-FCA1-357C-5E75877506C2}"/>
-                </a:ext>
-              </a:extLst>
-            </p:cNvPr>
-            <p:cNvCxnSpPr>
-              <a:cxnSpLocks/>
-              <a:stCxn id="3" idx="2"/>
-            </p:cNvCxnSpPr>
-            <p:nvPr/>
-          </p:nvCxnSpPr>
-          <p:spPr>
-            <a:xfrm>
-              <a:off x="5468489" y="2453733"/>
-              <a:ext cx="1588" cy="139159"/>
-            </a:xfrm>
-            <a:prstGeom prst="straightConnector1">
-              <a:avLst/>
-            </a:prstGeom>
-            <a:ln w="28575">
-              <a:solidFill>
-                <a:srgbClr val="30335D"/>
-              </a:solidFill>
-              <a:tailEnd type="triangle"/>
-            </a:ln>
-          </p:spPr>
-          <p:style>
-            <a:lnRef idx="1">
-              <a:schemeClr val="accent1"/>
-            </a:lnRef>
-            <a:fillRef idx="0">
-              <a:schemeClr val="accent1"/>
-            </a:fillRef>
-            <a:effectRef idx="0">
-              <a:schemeClr val="accent1"/>
-            </a:effectRef>
-            <a:fontRef idx="minor">
-              <a:schemeClr val="tx1"/>
-            </a:fontRef>
-          </p:style>
-        </p:cxnSp>
-        <p:cxnSp>
-          <p:nvCxnSpPr>
-            <p:cNvPr id="32" name="Straight Arrow Connector 31">
-              <a:extLst>
-                <a:ext uri="{FF2B5EF4-FFF2-40B4-BE49-F238E27FC236}">
-                  <a16:creationId xmlns:a16="http://schemas.microsoft.com/office/drawing/2014/main" id="{EFB1004C-900D-8487-3FEF-2A61A316EC74}"/>
-                </a:ext>
-              </a:extLst>
-            </p:cNvPr>
-            <p:cNvCxnSpPr>
-              <a:cxnSpLocks/>
-            </p:cNvCxnSpPr>
-            <p:nvPr/>
-          </p:nvCxnSpPr>
-          <p:spPr>
-            <a:xfrm>
-              <a:off x="5465297" y="3405129"/>
-              <a:ext cx="1588" cy="139159"/>
-            </a:xfrm>
-            <a:prstGeom prst="straightConnector1">
-              <a:avLst/>
-            </a:prstGeom>
-            <a:ln w="28575">
-              <a:solidFill>
-                <a:srgbClr val="30335D"/>
-              </a:solidFill>
-              <a:tailEnd type="triangle"/>
-            </a:ln>
-          </p:spPr>
-          <p:style>
-            <a:lnRef idx="1">
-              <a:schemeClr val="accent1"/>
-            </a:lnRef>
-            <a:fillRef idx="0">
-              <a:schemeClr val="accent1"/>
-            </a:fillRef>
-            <a:effectRef idx="0">
-              <a:schemeClr val="accent1"/>
-            </a:effectRef>
-            <a:fontRef idx="minor">
-              <a:schemeClr val="tx1"/>
-            </a:fontRef>
-          </p:style>
-        </p:cxnSp>
-        <p:cxnSp>
-          <p:nvCxnSpPr>
-            <p:cNvPr id="33" name="Straight Arrow Connector 32">
-              <a:extLst>
-                <a:ext uri="{FF2B5EF4-FFF2-40B4-BE49-F238E27FC236}">
-                  <a16:creationId xmlns:a16="http://schemas.microsoft.com/office/drawing/2014/main" id="{1A299620-896C-F177-D06D-326EA5351DF9}"/>
-                </a:ext>
-              </a:extLst>
-            </p:cNvPr>
-            <p:cNvCxnSpPr>
-              <a:cxnSpLocks/>
-            </p:cNvCxnSpPr>
-            <p:nvPr/>
-          </p:nvCxnSpPr>
-          <p:spPr>
-            <a:xfrm>
-              <a:off x="5422328" y="4371037"/>
-              <a:ext cx="1588" cy="139159"/>
-            </a:xfrm>
-            <a:prstGeom prst="straightConnector1">
-              <a:avLst/>
-            </a:prstGeom>
-            <a:ln w="28575">
-              <a:solidFill>
-                <a:srgbClr val="30335D"/>
-              </a:solidFill>
-              <a:tailEnd type="triangle"/>
-            </a:ln>
-          </p:spPr>
-          <p:style>
-            <a:lnRef idx="1">
-              <a:schemeClr val="accent1"/>
-            </a:lnRef>
-            <a:fillRef idx="0">
-              <a:schemeClr val="accent1"/>
-            </a:fillRef>
-            <a:effectRef idx="0">
-              <a:schemeClr val="accent1"/>
-            </a:effectRef>
-            <a:fontRef idx="minor">
-              <a:schemeClr val="tx1"/>
-            </a:fontRef>
-          </p:style>
-        </p:cxnSp>
-        <p:cxnSp>
-          <p:nvCxnSpPr>
-            <p:cNvPr id="34" name="Straight Arrow Connector 33">
-              <a:extLst>
-                <a:ext uri="{FF2B5EF4-FFF2-40B4-BE49-F238E27FC236}">
-                  <a16:creationId xmlns:a16="http://schemas.microsoft.com/office/drawing/2014/main" id="{08342E1B-31F3-0B2F-CAE5-562C9B612260}"/>
-                </a:ext>
-              </a:extLst>
-            </p:cNvPr>
-            <p:cNvCxnSpPr>
-              <a:cxnSpLocks/>
-            </p:cNvCxnSpPr>
-            <p:nvPr/>
-          </p:nvCxnSpPr>
-          <p:spPr>
-            <a:xfrm>
-              <a:off x="5427644" y="5213418"/>
-              <a:ext cx="1588" cy="139159"/>
-            </a:xfrm>
-            <a:prstGeom prst="straightConnector1">
-              <a:avLst/>
-            </a:prstGeom>
-            <a:ln w="28575">
-              <a:solidFill>
-                <a:srgbClr val="30335D"/>
-              </a:solidFill>
-              <a:tailEnd type="triangle"/>
-            </a:ln>
-          </p:spPr>
-          <p:style>
-            <a:lnRef idx="1">
-              <a:schemeClr val="accent1"/>
-            </a:lnRef>
-            <a:fillRef idx="0">
-              <a:schemeClr val="accent1"/>
-            </a:fillRef>
-            <a:effectRef idx="0">
-              <a:schemeClr val="accent1"/>
-            </a:effectRef>
-            <a:fontRef idx="minor">
-              <a:schemeClr val="tx1"/>
-            </a:fontRef>
-          </p:style>
-        </p:cxnSp>
-        <p:cxnSp>
-          <p:nvCxnSpPr>
-            <p:cNvPr id="35" name="Straight Arrow Connector 34">
-              <a:extLst>
-                <a:ext uri="{FF2B5EF4-FFF2-40B4-BE49-F238E27FC236}">
-                  <a16:creationId xmlns:a16="http://schemas.microsoft.com/office/drawing/2014/main" id="{0207701D-B3A5-F988-F963-52D73F1BCF0D}"/>
-                </a:ext>
-              </a:extLst>
-            </p:cNvPr>
-            <p:cNvCxnSpPr>
-              <a:cxnSpLocks/>
-            </p:cNvCxnSpPr>
-            <p:nvPr/>
-          </p:nvCxnSpPr>
-          <p:spPr>
-            <a:xfrm>
-              <a:off x="5429232" y="5983183"/>
-              <a:ext cx="1588" cy="139159"/>
-            </a:xfrm>
-            <a:prstGeom prst="straightConnector1">
-              <a:avLst/>
-            </a:prstGeom>
-            <a:ln w="28575">
-              <a:solidFill>
-                <a:srgbClr val="30335D"/>
-              </a:solidFill>
-              <a:tailEnd type="triangle"/>
-            </a:ln>
-          </p:spPr>
-          <p:style>
-            <a:lnRef idx="1">
-              <a:schemeClr val="accent1"/>
-            </a:lnRef>
-            <a:fillRef idx="0">
-              <a:schemeClr val="accent1"/>
-            </a:fillRef>
-            <a:effectRef idx="0">
-              <a:schemeClr val="accent1"/>
-            </a:effectRef>
-            <a:fontRef idx="minor">
-              <a:schemeClr val="tx1"/>
-            </a:fontRef>
-          </p:style>
-        </p:cxnSp>
-        <p:cxnSp>
-          <p:nvCxnSpPr>
-            <p:cNvPr id="36" name="Straight Arrow Connector 35">
-              <a:extLst>
-                <a:ext uri="{FF2B5EF4-FFF2-40B4-BE49-F238E27FC236}">
-                  <a16:creationId xmlns:a16="http://schemas.microsoft.com/office/drawing/2014/main" id="{AF389EE0-B527-5BE8-3B47-670D85B9B096}"/>
-                </a:ext>
-              </a:extLst>
-            </p:cNvPr>
-            <p:cNvCxnSpPr>
-              <a:cxnSpLocks/>
-            </p:cNvCxnSpPr>
-            <p:nvPr/>
-          </p:nvCxnSpPr>
-          <p:spPr>
-            <a:xfrm flipV="1">
-              <a:off x="8120801" y="4170620"/>
-              <a:ext cx="0" cy="698698"/>
-            </a:xfrm>
-            <a:prstGeom prst="straightConnector1">
-              <a:avLst/>
-            </a:prstGeom>
-            <a:ln w="28575">
-              <a:solidFill>
-                <a:srgbClr val="30335D"/>
-              </a:solidFill>
-              <a:tailEnd type="triangle"/>
-            </a:ln>
-          </p:spPr>
-          <p:style>
-            <a:lnRef idx="1">
-              <a:schemeClr val="accent1"/>
-            </a:lnRef>
-            <a:fillRef idx="0">
-              <a:schemeClr val="accent1"/>
-            </a:fillRef>
-            <a:effectRef idx="0">
-              <a:schemeClr val="accent1"/>
-            </a:effectRef>
-            <a:fontRef idx="minor">
-              <a:schemeClr val="tx1"/>
-            </a:fontRef>
-          </p:style>
-        </p:cxnSp>
-        <p:cxnSp>
-          <p:nvCxnSpPr>
-            <p:cNvPr id="38" name="Straight Arrow Connector 37">
-              <a:extLst>
-                <a:ext uri="{FF2B5EF4-FFF2-40B4-BE49-F238E27FC236}">
-                  <a16:creationId xmlns:a16="http://schemas.microsoft.com/office/drawing/2014/main" id="{1EECF3A4-672D-7D11-41B7-0991F3A3A20A}"/>
-                </a:ext>
-              </a:extLst>
-            </p:cNvPr>
-            <p:cNvCxnSpPr>
-              <a:cxnSpLocks/>
-            </p:cNvCxnSpPr>
-            <p:nvPr/>
-          </p:nvCxnSpPr>
-          <p:spPr>
-            <a:xfrm flipH="1">
-              <a:off x="5465297" y="1680420"/>
-              <a:ext cx="2655504" cy="8329"/>
-            </a:xfrm>
-            <a:prstGeom prst="straightConnector1">
-              <a:avLst/>
-            </a:prstGeom>
-            <a:ln w="28575">
-              <a:solidFill>
-                <a:srgbClr val="30335D"/>
-              </a:solidFill>
-              <a:tailEnd type="triangle"/>
-            </a:ln>
-          </p:spPr>
-          <p:style>
-            <a:lnRef idx="1">
-              <a:schemeClr val="accent1"/>
-            </a:lnRef>
-            <a:fillRef idx="0">
-              <a:schemeClr val="accent1"/>
-            </a:fillRef>
-            <a:effectRef idx="0">
-              <a:schemeClr val="accent1"/>
-            </a:effectRef>
-            <a:fontRef idx="minor">
-              <a:schemeClr val="tx1"/>
-            </a:fontRef>
-          </p:style>
-        </p:cxnSp>
-        <p:cxnSp>
-          <p:nvCxnSpPr>
-            <p:cNvPr id="41" name="Straight Arrow Connector 40">
-              <a:extLst>
-                <a:ext uri="{FF2B5EF4-FFF2-40B4-BE49-F238E27FC236}">
-                  <a16:creationId xmlns:a16="http://schemas.microsoft.com/office/drawing/2014/main" id="{52305F71-3A1E-C995-485D-F46B8272D7C3}"/>
-                </a:ext>
-              </a:extLst>
-            </p:cNvPr>
-            <p:cNvCxnSpPr>
-              <a:cxnSpLocks/>
-            </p:cNvCxnSpPr>
-            <p:nvPr/>
-          </p:nvCxnSpPr>
-          <p:spPr>
-            <a:xfrm>
-              <a:off x="6256589" y="2989486"/>
-              <a:ext cx="1864212" cy="0"/>
-            </a:xfrm>
-            <a:prstGeom prst="straightConnector1">
-              <a:avLst/>
-            </a:prstGeom>
-            <a:ln w="28575">
-              <a:solidFill>
-                <a:srgbClr val="30335D"/>
-              </a:solidFill>
-              <a:tailEnd type="triangle"/>
-            </a:ln>
-          </p:spPr>
-          <p:style>
-            <a:lnRef idx="1">
-              <a:schemeClr val="accent1"/>
-            </a:lnRef>
-            <a:fillRef idx="0">
-              <a:schemeClr val="accent1"/>
-            </a:fillRef>
-            <a:effectRef idx="0">
-              <a:schemeClr val="accent1"/>
-            </a:effectRef>
-            <a:fontRef idx="minor">
-              <a:schemeClr val="tx1"/>
-            </a:fontRef>
-          </p:style>
-        </p:cxnSp>
-        <p:sp>
-          <p:nvSpPr>
-            <p:cNvPr id="54" name="TextBox 53">
-              <a:extLst>
-                <a:ext uri="{FF2B5EF4-FFF2-40B4-BE49-F238E27FC236}">
-                  <a16:creationId xmlns:a16="http://schemas.microsoft.com/office/drawing/2014/main" id="{D1380BC0-B1FC-C995-C2F1-5AA43116166E}"/>
-                </a:ext>
-              </a:extLst>
-            </p:cNvPr>
-            <p:cNvSpPr txBox="1"/>
-            <p:nvPr/>
-          </p:nvSpPr>
-          <p:spPr>
-            <a:xfrm>
-              <a:off x="5597786" y="3278601"/>
-              <a:ext cx="657080" cy="307777"/>
-            </a:xfrm>
-            <a:prstGeom prst="rect">
-              <a:avLst/>
-            </a:prstGeom>
-            <a:noFill/>
-            <a:ln>
-              <a:noFill/>
-            </a:ln>
-          </p:spPr>
-          <p:txBody>
-            <a:bodyPr wrap="square" rtlCol="0">
-              <a:spAutoFit/>
-            </a:bodyPr>
-            <a:lstStyle/>
-            <a:p>
-              <a:pPr algn="ctr"/>
-              <a:r>
-                <a:rPr lang="en-US" sz="1400">
-                  <a:latin typeface="Avenir Medium" panose="02000503020000020003" pitchFamily="2" charset="0"/>
-                </a:rPr>
-                <a:t>Yes</a:t>
-              </a:r>
-            </a:p>
-          </p:txBody>
-        </p:sp>
-        <p:sp>
-          <p:nvSpPr>
-            <p:cNvPr id="55" name="TextBox 54">
-              <a:extLst>
-                <a:ext uri="{FF2B5EF4-FFF2-40B4-BE49-F238E27FC236}">
-                  <a16:creationId xmlns:a16="http://schemas.microsoft.com/office/drawing/2014/main" id="{216BDB90-80DB-6A5F-F4D7-E6F970D13F64}"/>
-                </a:ext>
-              </a:extLst>
-            </p:cNvPr>
-            <p:cNvSpPr txBox="1"/>
-            <p:nvPr/>
-          </p:nvSpPr>
-          <p:spPr>
-            <a:xfrm>
-              <a:off x="5514476" y="5088365"/>
-              <a:ext cx="657080" cy="307777"/>
-            </a:xfrm>
-            <a:prstGeom prst="rect">
-              <a:avLst/>
-            </a:prstGeom>
-            <a:noFill/>
-            <a:ln>
-              <a:noFill/>
-            </a:ln>
-          </p:spPr>
-          <p:txBody>
-            <a:bodyPr wrap="square" rtlCol="0">
-              <a:spAutoFit/>
-            </a:bodyPr>
-            <a:lstStyle/>
-            <a:p>
-              <a:pPr algn="ctr"/>
-              <a:r>
-                <a:rPr lang="en-US" sz="1400">
-                  <a:latin typeface="Avenir Medium" panose="02000503020000020003" pitchFamily="2" charset="0"/>
-                </a:rPr>
-                <a:t>Yes</a:t>
-              </a:r>
-            </a:p>
-          </p:txBody>
-        </p:sp>
-        <p:sp>
-          <p:nvSpPr>
-            <p:cNvPr id="56" name="TextBox 55">
-              <a:extLst>
-                <a:ext uri="{FF2B5EF4-FFF2-40B4-BE49-F238E27FC236}">
-                  <a16:creationId xmlns:a16="http://schemas.microsoft.com/office/drawing/2014/main" id="{0ECE48B7-1688-04F5-8BAE-A9F15646E653}"/>
-                </a:ext>
-              </a:extLst>
-            </p:cNvPr>
-            <p:cNvSpPr txBox="1"/>
-            <p:nvPr/>
-          </p:nvSpPr>
-          <p:spPr>
-            <a:xfrm>
-              <a:off x="6662632" y="4579416"/>
-              <a:ext cx="657080" cy="307777"/>
-            </a:xfrm>
-            <a:prstGeom prst="rect">
-              <a:avLst/>
-            </a:prstGeom>
-            <a:noFill/>
-            <a:ln>
-              <a:noFill/>
-            </a:ln>
-          </p:spPr>
-          <p:txBody>
-            <a:bodyPr wrap="square" rtlCol="0">
-              <a:spAutoFit/>
-            </a:bodyPr>
-            <a:lstStyle/>
-            <a:p>
-              <a:pPr algn="ctr"/>
-              <a:r>
-                <a:rPr lang="en-US" sz="1400">
-                  <a:latin typeface="Avenir Medium" panose="02000503020000020003" pitchFamily="2" charset="0"/>
-                </a:rPr>
-                <a:t>No</a:t>
-              </a:r>
-            </a:p>
-          </p:txBody>
-        </p:sp>
-        <p:sp>
-          <p:nvSpPr>
-            <p:cNvPr id="57" name="TextBox 56">
-              <a:extLst>
-                <a:ext uri="{FF2B5EF4-FFF2-40B4-BE49-F238E27FC236}">
-                  <a16:creationId xmlns:a16="http://schemas.microsoft.com/office/drawing/2014/main" id="{14116BE4-91E1-54C4-8626-C71E1BADAF9B}"/>
-                </a:ext>
-              </a:extLst>
-            </p:cNvPr>
-            <p:cNvSpPr txBox="1"/>
-            <p:nvPr/>
-          </p:nvSpPr>
-          <p:spPr>
-            <a:xfrm>
-              <a:off x="6687016" y="2719383"/>
-              <a:ext cx="657080" cy="307777"/>
-            </a:xfrm>
-            <a:prstGeom prst="rect">
-              <a:avLst/>
-            </a:prstGeom>
-            <a:noFill/>
-            <a:ln>
-              <a:noFill/>
-            </a:ln>
-          </p:spPr>
-          <p:txBody>
-            <a:bodyPr wrap="square" rtlCol="0">
-              <a:spAutoFit/>
-            </a:bodyPr>
-            <a:lstStyle/>
-            <a:p>
-              <a:pPr algn="ctr"/>
-              <a:r>
-                <a:rPr lang="en-US" sz="1400">
-                  <a:latin typeface="Avenir Medium" panose="02000503020000020003" pitchFamily="2" charset="0"/>
-                </a:rPr>
-                <a:t>No</a:t>
-              </a:r>
-            </a:p>
-          </p:txBody>
-        </p:sp>
-      </p:grpSp>
-      <p:pic>
-        <p:nvPicPr>
-          <p:cNvPr id="37" name="Picture 36">
-            <a:extLst>
-              <a:ext uri="{FF2B5EF4-FFF2-40B4-BE49-F238E27FC236}">
-                <a16:creationId xmlns:a16="http://schemas.microsoft.com/office/drawing/2014/main" id="{8104CE44-FEF0-7A0D-385B-2891992595BD}"/>
-              </a:ext>
-              <a:ext uri="{C183D7F6-B498-43B3-948B-1728B52AA6E4}">
-                <adec:decorative xmlns:adec="http://schemas.microsoft.com/office/drawing/2017/decorative" val="1"/>
-              </a:ext>
-            </a:extLst>
-          </p:cNvPr>
-          <p:cNvPicPr>
-            <a:picLocks noChangeAspect="1"/>
-          </p:cNvPicPr>
-          <p:nvPr/>
-        </p:nvPicPr>
-        <p:blipFill>
-          <a:blip r:embed="rId4">
-            <a:extLst>
-              <a:ext uri="{28A0092B-C50C-407E-A947-70E740481C1C}">
-                <a14:useLocalDpi xmlns:a14="http://schemas.microsoft.com/office/drawing/2010/main" val="0"/>
-              </a:ext>
-            </a:extLst>
-          </a:blip>
-          <a:stretch>
-            <a:fillRect/>
-          </a:stretch>
-        </p:blipFill>
-        <p:spPr>
-          <a:xfrm>
-            <a:off x="11378037" y="6045200"/>
-            <a:ext cx="800100" cy="812800"/>
-          </a:xfrm>
-          <a:prstGeom prst="rect">
-            <a:avLst/>
-          </a:prstGeom>
-        </p:spPr>
-      </p:pic>
-    </p:spTree>
-    <p:custDataLst>
-      <p:tags r:id="rId1"/>
-    </p:custDataLst>
-    <p:extLst>
-      <p:ext uri="{BB962C8B-B14F-4D97-AF65-F5344CB8AC3E}">
-        <p14:creationId xmlns:p14="http://schemas.microsoft.com/office/powerpoint/2010/main" val="1361920390"/>
-      </p:ext>
-    </p:extLst>
-  </p:cSld>
-  <p:clrMapOvr>
-    <a:masterClrMapping/>
-  </p:clrMapOvr>
-  <p:timing>
-    <p:tnLst>
-      <p:par>
-        <p:cTn id="1" dur="indefinite" restart="never" nodeType="tmRoot">
-          <p:childTnLst>
-            <p:seq concurrent="1" nextAc="seek">
-              <p:cTn id="2" dur="indefinite" nodeType="mainSeq">
-                <p:childTnLst>
-                  <p:par>
-                    <p:cTn id="3" fill="hold">
-                      <p:stCondLst>
-                        <p:cond delay="indefinite"/>
-                      </p:stCondLst>
-                      <p:childTnLst>
-                        <p:par>
-                          <p:cTn id="4" fill="hold">
-                            <p:stCondLst>
-                              <p:cond delay="0"/>
-                            </p:stCondLst>
-                            <p:childTnLst>
-                              <p:par>
-                                <p:cTn id="5" presetID="10" presetClass="entr" presetSubtype="0" fill="hold" nodeType="clickEffect">
-                                  <p:stCondLst>
-                                    <p:cond delay="0"/>
-                                  </p:stCondLst>
-                                  <p:childTnLst>
-                                    <p:set>
-                                      <p:cBhvr>
-                                        <p:cTn id="6" dur="1" fill="hold">
-                                          <p:stCondLst>
-                                            <p:cond delay="0"/>
-                                          </p:stCondLst>
-                                        </p:cTn>
-                                        <p:tgtEl>
-                                          <p:spTgt spid="58"/>
-                                        </p:tgtEl>
-                                        <p:attrNameLst>
-                                          <p:attrName>style.visibility</p:attrName>
-                                        </p:attrNameLst>
-                                      </p:cBhvr>
-                                      <p:to>
-                                        <p:strVal val="visible"/>
-                                      </p:to>
-                                    </p:set>
-                                    <p:animEffect transition="in" filter="fade">
-                                      <p:cBhvr>
-                                        <p:cTn id="7" dur="500"/>
-                                        <p:tgtEl>
-                                          <p:spTgt spid="58"/>
-                                        </p:tgtEl>
-                                      </p:cBhvr>
-                                    </p:animEffect>
-                                  </p:childTnLst>
-                                </p:cTn>
-                              </p:par>
-                            </p:childTnLst>
-                          </p:cTn>
-                        </p:par>
-                      </p:childTnLst>
-                    </p:cTn>
-                  </p:par>
-                </p:childTnLst>
-              </p:cTn>
-              <p:prevCondLst>
-                <p:cond evt="onPrev" delay="0">
-                  <p:tgtEl>
-                    <p:sldTgt/>
-                  </p:tgtEl>
-                </p:cond>
-              </p:prevCondLst>
-              <p:nextCondLst>
-                <p:cond evt="onNext" delay="0">
-                  <p:tgtEl>
-                    <p:sldTgt/>
-                  </p:tgtEl>
-                </p:cond>
-              </p:nextCondLst>
-            </p:seq>
-          </p:childTnLst>
-        </p:cTn>
-      </p:par>
-    </p:tnLst>
-  </p:timing>
-</p:sld>
-</file>
-
-<file path=ppt/slides/slide18.xml><?xml version="1.0" encoding="utf-8"?>
-<p:sld xmlns:a="http://schemas.openxmlformats.org/drawingml/2006/main" xmlns:r="http://schemas.openxmlformats.org/officeDocument/2006/relationships" xmlns:p="http://schemas.openxmlformats.org/presentationml/2006/main">
-  <p:cSld>
-    <p:spTree>
-      <p:nvGrpSpPr>
-        <p:cNvPr id="1" name=""/>
-        <p:cNvGrpSpPr/>
-        <p:nvPr/>
-      </p:nvGrpSpPr>
-      <p:grpSpPr>
-        <a:xfrm>
-          <a:off x="0" y="0"/>
-          <a:ext cx="0" cy="0"/>
-          <a:chOff x="0" y="0"/>
-          <a:chExt cx="0" cy="0"/>
-        </a:xfrm>
-      </p:grpSpPr>
-      <p:sp>
-        <p:nvSpPr>
-          <p:cNvPr id="2" name="Title 1">
-            <a:extLst>
-              <a:ext uri="{FF2B5EF4-FFF2-40B4-BE49-F238E27FC236}">
-                <a16:creationId xmlns:a16="http://schemas.microsoft.com/office/drawing/2014/main" id="{A2BE2215-911C-92F7-589B-2174816E3CD8}"/>
-              </a:ext>
-            </a:extLst>
-          </p:cNvPr>
-          <p:cNvSpPr>
-            <a:spLocks noGrp="1"/>
-          </p:cNvSpPr>
-          <p:nvPr>
-            <p:ph type="title"/>
-          </p:nvPr>
-        </p:nvSpPr>
-        <p:spPr>
-          <a:xfrm>
-            <a:off x="838200" y="-424586"/>
-            <a:ext cx="10515600" cy="434974"/>
-          </a:xfrm>
-        </p:spPr>
-        <p:txBody>
-          <a:bodyPr>
-            <a:normAutofit fontScale="90000"/>
-          </a:bodyPr>
-          <a:lstStyle/>
-          <a:p>
-            <a:r>
-              <a:rPr lang="en-US"/>
-              <a:t>Slide intentionally left blank</a:t>
-            </a:r>
-          </a:p>
-        </p:txBody>
-      </p:sp>
-      <p:sp>
-        <p:nvSpPr>
-          <p:cNvPr id="3" name="Content Placeholder 2">
-            <a:extLst>
-              <a:ext uri="{FF2B5EF4-FFF2-40B4-BE49-F238E27FC236}">
-                <a16:creationId xmlns:a16="http://schemas.microsoft.com/office/drawing/2014/main" id="{9D168106-D854-8DEE-8072-FE9B9FDFF73A}"/>
-              </a:ext>
-            </a:extLst>
-          </p:cNvPr>
-          <p:cNvSpPr>
-            <a:spLocks noGrp="1"/>
-          </p:cNvSpPr>
-          <p:nvPr>
-            <p:ph idx="1"/>
-          </p:nvPr>
-        </p:nvSpPr>
-        <p:spPr/>
-        <p:txBody>
-          <a:bodyPr/>
-          <a:lstStyle/>
-          <a:p>
-            <a:endParaRPr lang="en-US"/>
-          </a:p>
-        </p:txBody>
-      </p:sp>
-    </p:spTree>
-    <p:extLst>
-      <p:ext uri="{BB962C8B-B14F-4D97-AF65-F5344CB8AC3E}">
-        <p14:creationId xmlns:p14="http://schemas.microsoft.com/office/powerpoint/2010/main" val="2230124425"/>
-      </p:ext>
-    </p:extLst>
-  </p:cSld>
-  <p:clrMapOvr>
-    <a:masterClrMapping/>
-  </p:clrMapOvr>
-</p:sld>
-</file>
-
 <file path=ppt/slides/slide2.xml><?xml version="1.0" encoding="utf-8"?>
 <p:sld xmlns:a="http://schemas.openxmlformats.org/drawingml/2006/main" xmlns:r="http://schemas.openxmlformats.org/officeDocument/2006/relationships" xmlns:p="http://schemas.openxmlformats.org/presentationml/2006/main">
   <p:cSld>
@@ -14455,13 +10148,13 @@
   <p:clrMapOvr>
     <a:masterClrMapping/>
   </p:clrMapOvr>
-  <mc:AlternateContent xmlns:mc="http://schemas.openxmlformats.org/markup-compatibility/2006">
-    <mc:Choice xmlns:p14="http://schemas.microsoft.com/office/powerpoint/2010/main" Requires="p14">
+  <mc:AlternateContent xmlns:mc="http://schemas.openxmlformats.org/markup-compatibility/2006" xmlns:p14="http://schemas.microsoft.com/office/powerpoint/2010/main">
+    <mc:Choice Requires="p14">
       <p:transition spd="med" p14:dur="700">
         <p:fade/>
       </p:transition>
     </mc:Choice>
-    <mc:Fallback>
+    <mc:Fallback xmlns="">
       <p:transition spd="med">
         <p:fade/>
       </p:transition>
@@ -14652,7 +10345,7 @@
                 <a:solidFill>
                   <a:srgbClr val="5A5AA8"/>
                 </a:solidFill>
-                <a:latin typeface="Avenir" panose="02000503020000020003" pitchFamily="2" charset="0"/>
+                <a:latin typeface="Consolas" panose="020B0609020204030204" pitchFamily="49" charset="0"/>
                 <a:cs typeface="Futura Medium" panose="020B0602020204020303"/>
               </a:rPr>
               <a:t>None</a:t>
@@ -14700,7 +10393,7 @@
               <a:buChar char="§"/>
             </a:pPr>
             <a:r>
-              <a:rPr lang="en-US" sz="2800">
+              <a:rPr lang="en-US" sz="2800" dirty="0">
                 <a:latin typeface="Avenir" panose="02000503020000020003" pitchFamily="2" charset="0"/>
                 <a:cs typeface="Futura Medium" panose="020B0602020204020303"/>
               </a:rPr>
@@ -16328,13 +12021,13 @@
   <p:clrMapOvr>
     <a:masterClrMapping/>
   </p:clrMapOvr>
-  <mc:AlternateContent xmlns:mc="http://schemas.openxmlformats.org/markup-compatibility/2006">
-    <mc:Choice xmlns:p14="http://schemas.microsoft.com/office/powerpoint/2010/main" Requires="p14">
+  <mc:AlternateContent xmlns:mc="http://schemas.openxmlformats.org/markup-compatibility/2006" xmlns:p14="http://schemas.microsoft.com/office/powerpoint/2010/main">
+    <mc:Choice Requires="p14">
       <p:transition spd="med" p14:dur="700">
         <p:fade/>
       </p:transition>
     </mc:Choice>
-    <mc:Fallback>
+    <mc:Fallback xmlns="">
       <p:transition spd="med">
         <p:fade/>
       </p:transition>
@@ -17303,13 +12996,13 @@
   <p:clrMapOvr>
     <a:masterClrMapping/>
   </p:clrMapOvr>
-  <mc:AlternateContent xmlns:mc="http://schemas.openxmlformats.org/markup-compatibility/2006">
-    <mc:Choice xmlns:p14="http://schemas.microsoft.com/office/powerpoint/2010/main" Requires="p14">
+  <mc:AlternateContent xmlns:mc="http://schemas.openxmlformats.org/markup-compatibility/2006" xmlns:p14="http://schemas.microsoft.com/office/powerpoint/2010/main">
+    <mc:Choice Requires="p14">
       <p:transition spd="med" p14:dur="700">
         <p:fade/>
       </p:transition>
     </mc:Choice>
-    <mc:Fallback>
+    <mc:Fallback xmlns="">
       <p:transition spd="med">
         <p:fade/>
       </p:transition>
@@ -17686,13 +13379,13 @@
   <p:clrMapOvr>
     <a:masterClrMapping/>
   </p:clrMapOvr>
-  <mc:AlternateContent xmlns:mc="http://schemas.openxmlformats.org/markup-compatibility/2006">
-    <mc:Choice xmlns:p14="http://schemas.microsoft.com/office/powerpoint/2010/main" Requires="p14">
+  <mc:AlternateContent xmlns:mc="http://schemas.openxmlformats.org/markup-compatibility/2006" xmlns:p14="http://schemas.microsoft.com/office/powerpoint/2010/main">
+    <mc:Choice Requires="p14">
       <p:transition spd="med" p14:dur="700">
         <p:fade/>
       </p:transition>
     </mc:Choice>
-    <mc:Fallback>
+    <mc:Fallback xmlns="">
       <p:transition spd="med">
         <p:fade/>
       </p:transition>
@@ -18254,13 +13947,13 @@
   <p:clrMapOvr>
     <a:masterClrMapping/>
   </p:clrMapOvr>
-  <mc:AlternateContent xmlns:mc="http://schemas.openxmlformats.org/markup-compatibility/2006">
-    <mc:Choice xmlns:p14="http://schemas.microsoft.com/office/powerpoint/2010/main" Requires="p14">
+  <mc:AlternateContent xmlns:mc="http://schemas.openxmlformats.org/markup-compatibility/2006" xmlns:p14="http://schemas.microsoft.com/office/powerpoint/2010/main">
+    <mc:Choice Requires="p14">
       <p:transition spd="med" p14:dur="700">
         <p:fade/>
       </p:transition>
     </mc:Choice>
-    <mc:Fallback>
+    <mc:Fallback xmlns="">
       <p:transition spd="med">
         <p:fade/>
       </p:transition>
@@ -18579,12 +14272,6 @@
 </p:tagLst>
 </file>
 
-<file path=ppt/tags/tag10.xml><?xml version="1.0" encoding="utf-8"?>
-<p:tagLst xmlns:a="http://schemas.openxmlformats.org/drawingml/2006/main" xmlns:r="http://schemas.openxmlformats.org/officeDocument/2006/relationships" xmlns:p="http://schemas.openxmlformats.org/presentationml/2006/main">
-  <p:tag name="TIMING" val="|3.7"/>
-</p:tagLst>
-</file>
-
 <file path=ppt/tags/tag2.xml><?xml version="1.0" encoding="utf-8"?>
 <p:tagLst xmlns:a="http://schemas.openxmlformats.org/drawingml/2006/main" xmlns:r="http://schemas.openxmlformats.org/officeDocument/2006/relationships" xmlns:p="http://schemas.openxmlformats.org/presentationml/2006/main">
   <p:tag name="TIMING" val="|3.9|9.1|9.7|8.9|8.8"/>
@@ -18618,18 +14305,6 @@
 <file path=ppt/tags/tag7.xml><?xml version="1.0" encoding="utf-8"?>
 <p:tagLst xmlns:a="http://schemas.openxmlformats.org/drawingml/2006/main" xmlns:r="http://schemas.openxmlformats.org/officeDocument/2006/relationships" xmlns:p="http://schemas.openxmlformats.org/presentationml/2006/main">
   <p:tag name="TIMING" val="|20.2"/>
-</p:tagLst>
-</file>
-
-<file path=ppt/tags/tag8.xml><?xml version="1.0" encoding="utf-8"?>
-<p:tagLst xmlns:a="http://schemas.openxmlformats.org/drawingml/2006/main" xmlns:r="http://schemas.openxmlformats.org/officeDocument/2006/relationships" xmlns:p="http://schemas.openxmlformats.org/presentationml/2006/main">
-  <p:tag name="TIMING" val="|5.8|25.1|25.4"/>
-</p:tagLst>
-</file>
-
-<file path=ppt/tags/tag9.xml><?xml version="1.0" encoding="utf-8"?>
-<p:tagLst xmlns:a="http://schemas.openxmlformats.org/drawingml/2006/main" xmlns:r="http://schemas.openxmlformats.org/officeDocument/2006/relationships" xmlns:p="http://schemas.openxmlformats.org/presentationml/2006/main">
-  <p:tag name="TIMING" val="|8.3"/>
 </p:tagLst>
 </file>
 
@@ -19224,8 +14899,17 @@
 </file>
 
 <file path=customXml/item1.xml><?xml version="1.0" encoding="utf-8"?>
-<ct:contentTypeSchema xmlns:ct="http://schemas.microsoft.com/office/2006/metadata/contentType" xmlns:ma="http://schemas.microsoft.com/office/2006/metadata/properties/metaAttributes" ct:_="" ma:_="" ma:contentTypeName="Document" ma:contentTypeID="0x0101002673533D22965147974C76FEA4E99B6D" ma:contentTypeVersion="7" ma:contentTypeDescription="Create a new document." ma:contentTypeScope="" ma:versionID="33386593c5eb6e225e5f36b1db4227d2">
-  <xsd:schema xmlns:xsd="http://www.w3.org/2001/XMLSchema" xmlns:xs="http://www.w3.org/2001/XMLSchema" xmlns:p="http://schemas.microsoft.com/office/2006/metadata/properties" xmlns:ns2="457672a9-2aae-4e32-9c0c-21a1a727485c" targetNamespace="http://schemas.microsoft.com/office/2006/metadata/properties" ma:root="true" ma:fieldsID="f963ad55d75e1805834ffff233bf5b0c" ns2:_="">
+<?mso-contentType ?>
+<FormTemplates xmlns="http://schemas.microsoft.com/sharepoint/v3/contenttype/forms">
+  <Display>DocumentLibraryForm</Display>
+  <Edit>DocumentLibraryForm</Edit>
+  <New>DocumentLibraryForm</New>
+</FormTemplates>
+</file>
+
+<file path=customXml/item2.xml><?xml version="1.0" encoding="utf-8"?>
+<ct:contentTypeSchema xmlns:ct="http://schemas.microsoft.com/office/2006/metadata/contentType" xmlns:ma="http://schemas.microsoft.com/office/2006/metadata/properties/metaAttributes" ct:_="" ma:_="" ma:contentTypeName="Document" ma:contentTypeID="0x0101002673533D22965147974C76FEA4E99B6D" ma:contentTypeVersion="9" ma:contentTypeDescription="Create a new document." ma:contentTypeScope="" ma:versionID="e71eb3f1b47f60ef069b9b8710610cb8">
+  <xsd:schema xmlns:xsd="http://www.w3.org/2001/XMLSchema" xmlns:xs="http://www.w3.org/2001/XMLSchema" xmlns:p="http://schemas.microsoft.com/office/2006/metadata/properties" xmlns:ns2="457672a9-2aae-4e32-9c0c-21a1a727485c" targetNamespace="http://schemas.microsoft.com/office/2006/metadata/properties" ma:root="true" ma:fieldsID="9155a27f35ca249c5c04cd4479bb01cb" ns2:_="">
     <xsd:import namespace="457672a9-2aae-4e32-9c0c-21a1a727485c"/>
     <xsd:element name="properties">
       <xsd:complexType>
@@ -19239,6 +14923,8 @@
                 <xsd:element ref="ns2:MediaServiceOCR" minOccurs="0"/>
                 <xsd:element ref="ns2:MediaServiceGenerationTime" minOccurs="0"/>
                 <xsd:element ref="ns2:MediaServiceEventHashCode" minOccurs="0"/>
+                <xsd:element ref="ns2:MediaServiceDateTaken" minOccurs="0"/>
+                <xsd:element ref="ns2:MediaLengthInSeconds" minOccurs="0"/>
               </xsd:all>
             </xsd:complexType>
           </xsd:element>
@@ -19281,6 +14967,16 @@
     <xsd:element name="MediaServiceEventHashCode" ma:index="14" nillable="true" ma:displayName="MediaServiceEventHashCode" ma:hidden="true" ma:internalName="MediaServiceEventHashCode" ma:readOnly="true">
       <xsd:simpleType>
         <xsd:restriction base="dms:Text"/>
+      </xsd:simpleType>
+    </xsd:element>
+    <xsd:element name="MediaServiceDateTaken" ma:index="15" nillable="true" ma:displayName="MediaServiceDateTaken" ma:hidden="true" ma:indexed="true" ma:internalName="MediaServiceDateTaken" ma:readOnly="true">
+      <xsd:simpleType>
+        <xsd:restriction base="dms:Text"/>
+      </xsd:simpleType>
+    </xsd:element>
+    <xsd:element name="MediaLengthInSeconds" ma:index="16" nillable="true" ma:displayName="MediaLengthInSeconds" ma:hidden="true" ma:internalName="MediaLengthInSeconds" ma:readOnly="true">
+      <xsd:simpleType>
+        <xsd:restriction base="dms:Unknown"/>
       </xsd:simpleType>
     </xsd:element>
   </xsd:schema>
@@ -19383,15 +15079,6 @@
 </ct:contentTypeSchema>
 </file>
 
-<file path=customXml/item2.xml><?xml version="1.0" encoding="utf-8"?>
-<?mso-contentType ?>
-<FormTemplates xmlns="http://schemas.microsoft.com/sharepoint/v3/contenttype/forms">
-  <Display>DocumentLibraryForm</Display>
-  <Edit>DocumentLibraryForm</Edit>
-  <New>DocumentLibraryForm</New>
-</FormTemplates>
-</file>
-
 <file path=customXml/item3.xml><?xml version="1.0" encoding="utf-8"?>
 <p:properties xmlns:p="http://schemas.microsoft.com/office/2006/metadata/properties" xmlns:xsi="http://www.w3.org/2001/XMLSchema-instance" xmlns:pc="http://schemas.microsoft.com/office/infopath/2007/PartnerControls">
   <documentManagement>
@@ -19403,27 +15090,27 @@
 </file>
 
 <file path=customXml/itemProps1.xml><?xml version="1.0" encoding="utf-8"?>
-<ds:datastoreItem xmlns:ds="http://schemas.openxmlformats.org/officeDocument/2006/customXml" ds:itemID="{DB7B223C-8078-4246-8C2C-2A28E8504878}">
+<ds:datastoreItem xmlns:ds="http://schemas.openxmlformats.org/officeDocument/2006/customXml" ds:itemID="{33806B57-82FB-4223-9D7A-FC8D3FE73F52}">
   <ds:schemaRefs>
-    <ds:schemaRef ds:uri="457672a9-2aae-4e32-9c0c-21a1a727485c"/>
-    <ds:schemaRef ds:uri="http://purl.org/dc/elements/1.1/"/>
-    <ds:schemaRef ds:uri="http://purl.org/dc/terms/"/>
-    <ds:schemaRef ds:uri="http://schemas.microsoft.com/internal/obd"/>
-    <ds:schemaRef ds:uri="http://schemas.microsoft.com/office/2006/documentManagement/types"/>
-    <ds:schemaRef ds:uri="http://schemas.microsoft.com/office/2006/metadata/contentType"/>
-    <ds:schemaRef ds:uri="http://schemas.microsoft.com/office/2006/metadata/properties"/>
-    <ds:schemaRef ds:uri="http://schemas.microsoft.com/office/2006/metadata/properties/metaAttributes"/>
-    <ds:schemaRef ds:uri="http://schemas.microsoft.com/office/infopath/2007/PartnerControls"/>
-    <ds:schemaRef ds:uri="http://schemas.openxmlformats.org/package/2006/metadata/core-properties"/>
-    <ds:schemaRef ds:uri="http://www.w3.org/2001/XMLSchema"/>
+    <ds:schemaRef ds:uri="http://schemas.microsoft.com/sharepoint/v3/contenttype/forms"/>
   </ds:schemaRefs>
 </ds:datastoreItem>
 </file>
 
 <file path=customXml/itemProps2.xml><?xml version="1.0" encoding="utf-8"?>
-<ds:datastoreItem xmlns:ds="http://schemas.openxmlformats.org/officeDocument/2006/customXml" ds:itemID="{33806B57-82FB-4223-9D7A-FC8D3FE73F52}">
+<ds:datastoreItem xmlns:ds="http://schemas.openxmlformats.org/officeDocument/2006/customXml" ds:itemID="{1571429E-1CF8-4CE9-918E-297496170889}">
   <ds:schemaRefs>
-    <ds:schemaRef ds:uri="http://schemas.microsoft.com/sharepoint/v3/contenttype/forms"/>
+    <ds:schemaRef ds:uri="http://schemas.microsoft.com/office/2006/metadata/contentType"/>
+    <ds:schemaRef ds:uri="http://schemas.microsoft.com/office/2006/metadata/properties/metaAttributes"/>
+    <ds:schemaRef ds:uri="http://www.w3.org/2001/XMLSchema"/>
+    <ds:schemaRef ds:uri="http://schemas.microsoft.com/office/2006/metadata/properties"/>
+    <ds:schemaRef ds:uri="457672a9-2aae-4e32-9c0c-21a1a727485c"/>
+    <ds:schemaRef ds:uri="http://schemas.microsoft.com/office/2006/documentManagement/types"/>
+    <ds:schemaRef ds:uri="http://schemas.microsoft.com/office/infopath/2007/PartnerControls"/>
+    <ds:schemaRef ds:uri="http://schemas.openxmlformats.org/package/2006/metadata/core-properties"/>
+    <ds:schemaRef ds:uri="http://purl.org/dc/elements/1.1/"/>
+    <ds:schemaRef ds:uri="http://purl.org/dc/terms/"/>
+    <ds:schemaRef ds:uri="http://schemas.microsoft.com/internal/obd"/>
   </ds:schemaRefs>
 </ds:datastoreItem>
 </file>
